--- a/03 설계/Class 설계서_7_SHORTSTORMERS.pptx
+++ b/03 설계/Class 설계서_7_SHORTSTORMERS.pptx
@@ -5,10 +5,10 @@
     <p:sldMasterId id="2147483655" r:id="rId1"/>
   </p:sldMasterIdLst>
   <p:notesMasterIdLst>
-    <p:notesMasterId r:id="rId16"/>
+    <p:notesMasterId r:id="rId15"/>
   </p:notesMasterIdLst>
   <p:handoutMasterIdLst>
-    <p:handoutMasterId r:id="rId17"/>
+    <p:handoutMasterId r:id="rId16"/>
   </p:handoutMasterIdLst>
   <p:sldIdLst>
     <p:sldId id="256" r:id="rId2"/>
@@ -16,15 +16,14 @@
     <p:sldId id="262" r:id="rId4"/>
     <p:sldId id="263" r:id="rId5"/>
     <p:sldId id="268" r:id="rId6"/>
-    <p:sldId id="276" r:id="rId7"/>
-    <p:sldId id="264" r:id="rId8"/>
-    <p:sldId id="265" r:id="rId9"/>
-    <p:sldId id="272" r:id="rId10"/>
-    <p:sldId id="273" r:id="rId11"/>
-    <p:sldId id="266" r:id="rId12"/>
-    <p:sldId id="269" r:id="rId13"/>
-    <p:sldId id="270" r:id="rId14"/>
-    <p:sldId id="271" r:id="rId15"/>
+    <p:sldId id="277" r:id="rId7"/>
+    <p:sldId id="276" r:id="rId8"/>
+    <p:sldId id="264" r:id="rId9"/>
+    <p:sldId id="265" r:id="rId10"/>
+    <p:sldId id="266" r:id="rId11"/>
+    <p:sldId id="269" r:id="rId12"/>
+    <p:sldId id="270" r:id="rId13"/>
+    <p:sldId id="271" r:id="rId14"/>
   </p:sldIdLst>
   <p:sldSz cx="9144000" cy="6858000" type="screen4x3"/>
   <p:notesSz cx="6797675" cy="9928225"/>
@@ -3167,436 +3166,6 @@
           <p:cNvPr id="2" name="바닥글 개체 틀 1">
             <a:extLst>
               <a:ext uri="{FF2B5EF4-FFF2-40B4-BE49-F238E27FC236}">
-                <a16:creationId xmlns:a16="http://schemas.microsoft.com/office/drawing/2014/main" id="{FB0B04C5-1818-4269-A82E-38A9BA517DA0}"/>
-              </a:ext>
-            </a:extLst>
-          </p:cNvPr>
-          <p:cNvSpPr>
-            <a:spLocks noGrp="1"/>
-          </p:cNvSpPr>
-          <p:nvPr>
-            <p:ph type="ftr" sz="quarter" idx="3"/>
-          </p:nvPr>
-        </p:nvSpPr>
-        <p:spPr/>
-        <p:txBody>
-          <a:bodyPr/>
-          <a:lstStyle/>
-          <a:p>
-            <a:pPr algn="r"/>
-            <a:r>
-              <a:rPr lang="en-US" altLang="ko-KR"/>
-              <a:t>7</a:t>
-            </a:r>
-            <a:r>
-              <a:rPr lang="ko-KR" altLang="en-US"/>
-              <a:t>조 </a:t>
-            </a:r>
-            <a:r>
-              <a:rPr lang="en-US" altLang="ko-KR"/>
-              <a:t>SHORTSTORMERS</a:t>
-            </a:r>
-            <a:endParaRPr lang="en-US" altLang="ko-KR" dirty="0"/>
-          </a:p>
-        </p:txBody>
-      </p:sp>
-      <p:graphicFrame>
-        <p:nvGraphicFramePr>
-          <p:cNvPr id="3" name="표 2">
-            <a:extLst>
-              <a:ext uri="{FF2B5EF4-FFF2-40B4-BE49-F238E27FC236}">
-                <a16:creationId xmlns:a16="http://schemas.microsoft.com/office/drawing/2014/main" id="{73AA4F31-35BD-496F-8A76-03EA37053AAF}"/>
-              </a:ext>
-            </a:extLst>
-          </p:cNvPr>
-          <p:cNvGraphicFramePr>
-            <a:graphicFrameLocks noGrp="1"/>
-          </p:cNvGraphicFramePr>
-          <p:nvPr>
-            <p:extLst>
-              <p:ext uri="{D42A27DB-BD31-4B8C-83A1-F6EECF244321}">
-                <p14:modId xmlns:p14="http://schemas.microsoft.com/office/powerpoint/2010/main" val="3356932830"/>
-              </p:ext>
-            </p:extLst>
-          </p:nvPr>
-        </p:nvGraphicFramePr>
-        <p:xfrm>
-          <a:off x="685317" y="1177443"/>
-          <a:ext cx="7773365" cy="4952036"/>
-        </p:xfrm>
-        <a:graphic>
-          <a:graphicData uri="http://schemas.openxmlformats.org/drawingml/2006/table">
-            <a:tbl>
-              <a:tblPr firstRow="1" bandRow="1">
-                <a:tableStyleId>{5940675A-B579-460E-94D1-54222C63F5DA}</a:tableStyleId>
-              </a:tblPr>
-              <a:tblGrid>
-                <a:gridCol w="7773365">
-                  <a:extLst>
-                    <a:ext uri="{9D8B030D-6E8A-4147-A177-3AD203B41FA5}">
-                      <a16:colId xmlns:a16="http://schemas.microsoft.com/office/drawing/2014/main" val="2448210374"/>
-                    </a:ext>
-                  </a:extLst>
-                </a:gridCol>
-              </a:tblGrid>
-              <a:tr h="308216">
-                <a:tc>
-                  <a:txBody>
-                    <a:bodyPr/>
-                    <a:lstStyle/>
-                    <a:p>
-                      <a:r>
-                        <a:rPr lang="en-US" sz="1200" dirty="0" err="1">
-                          <a:latin typeface="맑은 고딕" panose="020B0503020000020004" pitchFamily="50" charset="-127"/>
-                          <a:ea typeface="맑은 고딕" panose="020B0503020000020004" pitchFamily="50" charset="-127"/>
-                        </a:rPr>
-                        <a:t>Show_render</a:t>
-                      </a:r>
-                      <a:endParaRPr lang="en-US" sz="1200" dirty="0">
-                        <a:latin typeface="맑은 고딕" panose="020B0503020000020004" pitchFamily="50" charset="-127"/>
-                        <a:ea typeface="맑은 고딕" panose="020B0503020000020004" pitchFamily="50" charset="-127"/>
-                      </a:endParaRPr>
-                    </a:p>
-                  </a:txBody>
-                  <a:tcPr/>
-                </a:tc>
-                <a:extLst>
-                  <a:ext uri="{0D108BD9-81ED-4DB2-BD59-A6C34878D82A}">
-                    <a16:rowId xmlns:a16="http://schemas.microsoft.com/office/drawing/2014/main" val="1024146623"/>
-                  </a:ext>
-                </a:extLst>
-              </a:tr>
-              <a:tr h="3383074">
-                <a:tc>
-                  <a:txBody>
-                    <a:bodyPr/>
-                    <a:lstStyle/>
-                    <a:p>
-                      <a:pPr marL="171450" indent="-171450">
-                        <a:buFontTx/>
-                        <a:buChar char="-"/>
-                      </a:pPr>
-                      <a:r>
-                        <a:rPr lang="en-US" altLang="ko-KR" sz="1200" dirty="0">
-                          <a:latin typeface="Malgun Gothic" charset="-127"/>
-                          <a:ea typeface="Malgun Gothic" charset="-127"/>
-                          <a:cs typeface="Malgun Gothic" charset="-127"/>
-                        </a:rPr>
-                        <a:t>table : </a:t>
-                      </a:r>
-                      <a:r>
-                        <a:rPr lang="en-US" altLang="ko-KR" sz="1200" dirty="0" err="1">
-                          <a:latin typeface="Malgun Gothic" charset="-127"/>
-                          <a:ea typeface="Malgun Gothic" charset="-127"/>
-                          <a:cs typeface="Malgun Gothic" charset="-127"/>
-                        </a:rPr>
-                        <a:t>JTable</a:t>
-                      </a:r>
-                      <a:endParaRPr lang="en-US" altLang="ko-KR" sz="1200" dirty="0">
-                        <a:latin typeface="Malgun Gothic" charset="-127"/>
-                        <a:ea typeface="Malgun Gothic" charset="-127"/>
-                        <a:cs typeface="Malgun Gothic" charset="-127"/>
-                      </a:endParaRPr>
-                    </a:p>
-                    <a:p>
-                      <a:pPr marL="171450" indent="-171450">
-                        <a:buFontTx/>
-                        <a:buChar char="-"/>
-                      </a:pPr>
-                      <a:r>
-                        <a:rPr lang="en-US" altLang="ko-KR" sz="1200" dirty="0">
-                          <a:latin typeface="Malgun Gothic" charset="-127"/>
-                          <a:ea typeface="Malgun Gothic" charset="-127"/>
-                          <a:cs typeface="Malgun Gothic" charset="-127"/>
-                        </a:rPr>
-                        <a:t>value : Object</a:t>
-                      </a:r>
-                    </a:p>
-                    <a:p>
-                      <a:pPr marL="171450" indent="-171450">
-                        <a:buFontTx/>
-                        <a:buChar char="-"/>
-                      </a:pPr>
-                      <a:r>
-                        <a:rPr lang="en-US" altLang="ko-KR" sz="1200" dirty="0" err="1">
-                          <a:latin typeface="Malgun Gothic" charset="-127"/>
-                          <a:ea typeface="Malgun Gothic" charset="-127"/>
-                          <a:cs typeface="Malgun Gothic" charset="-127"/>
-                        </a:rPr>
-                        <a:t>isSelected</a:t>
-                      </a:r>
-                      <a:r>
-                        <a:rPr lang="en-US" altLang="ko-KR" sz="1200" dirty="0">
-                          <a:latin typeface="Malgun Gothic" charset="-127"/>
-                          <a:ea typeface="Malgun Gothic" charset="-127"/>
-                          <a:cs typeface="Malgun Gothic" charset="-127"/>
-                        </a:rPr>
-                        <a:t> : </a:t>
-                      </a:r>
-                      <a:r>
-                        <a:rPr lang="en-US" altLang="ko-KR" sz="1200" dirty="0" err="1">
-                          <a:latin typeface="Malgun Gothic" charset="-127"/>
-                          <a:ea typeface="Malgun Gothic" charset="-127"/>
-                          <a:cs typeface="Malgun Gothic" charset="-127"/>
-                        </a:rPr>
-                        <a:t>boolean</a:t>
-                      </a:r>
-                      <a:endParaRPr lang="en-US" altLang="ko-KR" sz="1200" dirty="0">
-                        <a:latin typeface="Malgun Gothic" charset="-127"/>
-                        <a:ea typeface="Malgun Gothic" charset="-127"/>
-                        <a:cs typeface="Malgun Gothic" charset="-127"/>
-                      </a:endParaRPr>
-                    </a:p>
-                    <a:p>
-                      <a:pPr marL="171450" indent="-171450">
-                        <a:buFontTx/>
-                        <a:buChar char="-"/>
-                      </a:pPr>
-                      <a:r>
-                        <a:rPr lang="en-US" altLang="ko-KR" sz="1200" dirty="0" err="1">
-                          <a:latin typeface="Malgun Gothic" charset="-127"/>
-                          <a:ea typeface="Malgun Gothic" charset="-127"/>
-                          <a:cs typeface="Malgun Gothic" charset="-127"/>
-                        </a:rPr>
-                        <a:t>hasFocus</a:t>
-                      </a:r>
-                      <a:r>
-                        <a:rPr lang="en-US" altLang="ko-KR" sz="1200" dirty="0">
-                          <a:latin typeface="Malgun Gothic" charset="-127"/>
-                          <a:ea typeface="Malgun Gothic" charset="-127"/>
-                          <a:cs typeface="Malgun Gothic" charset="-127"/>
-                        </a:rPr>
-                        <a:t> : </a:t>
-                      </a:r>
-                      <a:r>
-                        <a:rPr lang="en-US" altLang="ko-KR" sz="1200" dirty="0" err="1">
-                          <a:latin typeface="Malgun Gothic" charset="-127"/>
-                          <a:ea typeface="Malgun Gothic" charset="-127"/>
-                          <a:cs typeface="Malgun Gothic" charset="-127"/>
-                        </a:rPr>
-                        <a:t>boolean</a:t>
-                      </a:r>
-                      <a:endParaRPr lang="en-US" altLang="ko-KR" sz="1200" dirty="0">
-                        <a:latin typeface="Malgun Gothic" charset="-127"/>
-                        <a:ea typeface="Malgun Gothic" charset="-127"/>
-                        <a:cs typeface="Malgun Gothic" charset="-127"/>
-                      </a:endParaRPr>
-                    </a:p>
-                    <a:p>
-                      <a:pPr marL="171450" indent="-171450">
-                        <a:buFontTx/>
-                        <a:buChar char="-"/>
-                      </a:pPr>
-                      <a:r>
-                        <a:rPr lang="en-US" altLang="ko-KR" sz="1200" dirty="0">
-                          <a:latin typeface="Malgun Gothic" charset="-127"/>
-                          <a:ea typeface="Malgun Gothic" charset="-127"/>
-                          <a:cs typeface="Malgun Gothic" charset="-127"/>
-                        </a:rPr>
-                        <a:t>row : int</a:t>
-                      </a:r>
-                    </a:p>
-                    <a:p>
-                      <a:pPr marL="171450" indent="-171450">
-                        <a:buFontTx/>
-                        <a:buChar char="-"/>
-                      </a:pPr>
-                      <a:r>
-                        <a:rPr lang="en-US" altLang="ko-KR" sz="1200" dirty="0">
-                          <a:latin typeface="Malgun Gothic" charset="-127"/>
-                          <a:ea typeface="Malgun Gothic" charset="-127"/>
-                          <a:cs typeface="Malgun Gothic" charset="-127"/>
-                        </a:rPr>
-                        <a:t>column : int</a:t>
-                      </a:r>
-                    </a:p>
-                    <a:p>
-                      <a:pPr marL="171450" indent="-171450">
-                        <a:buFontTx/>
-                        <a:buChar char="-"/>
-                      </a:pPr>
-                      <a:r>
-                        <a:rPr lang="en-US" altLang="ko-KR" sz="1200" dirty="0">
-                          <a:latin typeface="Malgun Gothic" charset="-127"/>
-                          <a:ea typeface="Malgun Gothic" charset="-127"/>
-                          <a:cs typeface="Malgun Gothic" charset="-127"/>
-                        </a:rPr>
-                        <a:t>cell : Component</a:t>
-                      </a:r>
-                      <a:endParaRPr lang="es-ES" altLang="ko-KR" sz="1200" dirty="0">
-                        <a:latin typeface="Malgun Gothic" charset="-127"/>
-                        <a:ea typeface="Malgun Gothic" charset="-127"/>
-                        <a:cs typeface="Malgun Gothic" charset="-127"/>
-                      </a:endParaRPr>
-                    </a:p>
-                  </a:txBody>
-                  <a:tcPr/>
-                </a:tc>
-                <a:extLst>
-                  <a:ext uri="{0D108BD9-81ED-4DB2-BD59-A6C34878D82A}">
-                    <a16:rowId xmlns:a16="http://schemas.microsoft.com/office/drawing/2014/main" val="2548812134"/>
-                  </a:ext>
-                </a:extLst>
-              </a:tr>
-              <a:tr h="1260746">
-                <a:tc>
-                  <a:txBody>
-                    <a:bodyPr/>
-                    <a:lstStyle/>
-                    <a:p>
-                      <a:r>
-                        <a:rPr lang="en-US" altLang="ko-KR" sz="1200" dirty="0">
-                          <a:latin typeface="Malgun Gothic" charset="-127"/>
-                          <a:ea typeface="Malgun Gothic" charset="-127"/>
-                          <a:cs typeface="Malgun Gothic" charset="-127"/>
-                        </a:rPr>
-                        <a:t>+ </a:t>
-                      </a:r>
-                      <a:r>
-                        <a:rPr lang="en-US" altLang="ko-KR" sz="1200" dirty="0" err="1">
-                          <a:latin typeface="Malgun Gothic" charset="-127"/>
-                          <a:ea typeface="Malgun Gothic" charset="-127"/>
-                          <a:cs typeface="Malgun Gothic" charset="-127"/>
-                        </a:rPr>
-                        <a:t>getTableCellRendererComponent</a:t>
-                      </a:r>
-                      <a:r>
-                        <a:rPr lang="en-US" altLang="ko-KR" sz="1200" dirty="0">
-                          <a:latin typeface="Malgun Gothic" charset="-127"/>
-                          <a:ea typeface="Malgun Gothic" charset="-127"/>
-                          <a:cs typeface="Malgun Gothic" charset="-127"/>
-                        </a:rPr>
-                        <a:t>(</a:t>
-                      </a:r>
-                      <a:r>
-                        <a:rPr lang="en-US" altLang="ko-KR" sz="1200" dirty="0" err="1">
-                          <a:latin typeface="Malgun Gothic" charset="-127"/>
-                          <a:ea typeface="Malgun Gothic" charset="-127"/>
-                          <a:cs typeface="Malgun Gothic" charset="-127"/>
-                        </a:rPr>
-                        <a:t>JTable</a:t>
-                      </a:r>
-                      <a:r>
-                        <a:rPr lang="en-US" altLang="ko-KR" sz="1200" dirty="0">
-                          <a:latin typeface="Malgun Gothic" charset="-127"/>
-                          <a:ea typeface="Malgun Gothic" charset="-127"/>
-                          <a:cs typeface="Malgun Gothic" charset="-127"/>
-                        </a:rPr>
-                        <a:t> table, Object value, </a:t>
-                      </a:r>
-                      <a:r>
-                        <a:rPr lang="en-US" altLang="ko-KR" sz="1200" dirty="0" err="1">
-                          <a:latin typeface="Malgun Gothic" charset="-127"/>
-                          <a:ea typeface="Malgun Gothic" charset="-127"/>
-                          <a:cs typeface="Malgun Gothic" charset="-127"/>
-                        </a:rPr>
-                        <a:t>boolean</a:t>
-                      </a:r>
-                      <a:r>
-                        <a:rPr lang="en-US" altLang="ko-KR" sz="1200" dirty="0">
-                          <a:latin typeface="Malgun Gothic" charset="-127"/>
-                          <a:ea typeface="Malgun Gothic" charset="-127"/>
-                          <a:cs typeface="Malgun Gothic" charset="-127"/>
-                        </a:rPr>
-                        <a:t> </a:t>
-                      </a:r>
-                      <a:r>
-                        <a:rPr lang="en-US" altLang="ko-KR" sz="1200" dirty="0" err="1">
-                          <a:latin typeface="Malgun Gothic" charset="-127"/>
-                          <a:ea typeface="Malgun Gothic" charset="-127"/>
-                          <a:cs typeface="Malgun Gothic" charset="-127"/>
-                        </a:rPr>
-                        <a:t>isSelected</a:t>
-                      </a:r>
-                      <a:r>
-                        <a:rPr lang="en-US" altLang="ko-KR" sz="1200" dirty="0">
-                          <a:latin typeface="Malgun Gothic" charset="-127"/>
-                          <a:ea typeface="Malgun Gothic" charset="-127"/>
-                          <a:cs typeface="Malgun Gothic" charset="-127"/>
-                        </a:rPr>
-                        <a:t>, </a:t>
-                      </a:r>
-                      <a:r>
-                        <a:rPr lang="en-US" altLang="ko-KR" sz="1200" dirty="0" err="1">
-                          <a:latin typeface="Malgun Gothic" charset="-127"/>
-                          <a:ea typeface="Malgun Gothic" charset="-127"/>
-                          <a:cs typeface="Malgun Gothic" charset="-127"/>
-                        </a:rPr>
-                        <a:t>boolean</a:t>
-                      </a:r>
-                      <a:r>
-                        <a:rPr lang="en-US" altLang="ko-KR" sz="1200" dirty="0">
-                          <a:latin typeface="Malgun Gothic" charset="-127"/>
-                          <a:ea typeface="Malgun Gothic" charset="-127"/>
-                          <a:cs typeface="Malgun Gothic" charset="-127"/>
-                        </a:rPr>
-                        <a:t> </a:t>
-                      </a:r>
-                      <a:r>
-                        <a:rPr lang="en-US" altLang="ko-KR" sz="1200" dirty="0" err="1">
-                          <a:latin typeface="Malgun Gothic" charset="-127"/>
-                          <a:ea typeface="Malgun Gothic" charset="-127"/>
-                          <a:cs typeface="Malgun Gothic" charset="-127"/>
-                        </a:rPr>
-                        <a:t>hasFocus</a:t>
-                      </a:r>
-                      <a:r>
-                        <a:rPr lang="en-US" altLang="ko-KR" sz="1200" dirty="0">
-                          <a:latin typeface="Malgun Gothic" charset="-127"/>
-                          <a:ea typeface="Malgun Gothic" charset="-127"/>
-                          <a:cs typeface="Malgun Gothic" charset="-127"/>
-                        </a:rPr>
-                        <a:t>, int row, int column) : Component</a:t>
-                      </a:r>
-                    </a:p>
-                  </a:txBody>
-                  <a:tcPr/>
-                </a:tc>
-                <a:extLst>
-                  <a:ext uri="{0D108BD9-81ED-4DB2-BD59-A6C34878D82A}">
-                    <a16:rowId xmlns:a16="http://schemas.microsoft.com/office/drawing/2014/main" val="3516076432"/>
-                  </a:ext>
-                </a:extLst>
-              </a:tr>
-            </a:tbl>
-          </a:graphicData>
-        </a:graphic>
-      </p:graphicFrame>
-    </p:spTree>
-    <p:extLst>
-      <p:ext uri="{BB962C8B-B14F-4D97-AF65-F5344CB8AC3E}">
-        <p14:creationId xmlns:p14="http://schemas.microsoft.com/office/powerpoint/2010/main" val="1686455888"/>
-      </p:ext>
-    </p:extLst>
-  </p:cSld>
-  <p:clrMapOvr>
-    <a:masterClrMapping/>
-  </p:clrMapOvr>
-</p:sld>
-</file>
-
-<file path=ppt/slides/slide11.xml><?xml version="1.0" encoding="utf-8"?>
-<p:sld xmlns:a="http://schemas.openxmlformats.org/drawingml/2006/main" xmlns:r="http://schemas.openxmlformats.org/officeDocument/2006/relationships" xmlns:p="http://schemas.openxmlformats.org/presentationml/2006/main">
-  <p:cSld>
-    <p:spTree>
-      <p:nvGrpSpPr>
-        <p:cNvPr id="1" name=""/>
-        <p:cNvGrpSpPr/>
-        <p:nvPr/>
-      </p:nvGrpSpPr>
-      <p:grpSpPr>
-        <a:xfrm>
-          <a:off x="0" y="0"/>
-          <a:ext cx="0" cy="0"/>
-          <a:chOff x="0" y="0"/>
-          <a:chExt cx="0" cy="0"/>
-        </a:xfrm>
-      </p:grpSpPr>
-      <p:sp>
-        <p:nvSpPr>
-          <p:cNvPr id="2" name="바닥글 개체 틀 1">
-            <a:extLst>
-              <a:ext uri="{FF2B5EF4-FFF2-40B4-BE49-F238E27FC236}">
                 <a16:creationId xmlns:a16="http://schemas.microsoft.com/office/drawing/2014/main" id="{7A7FA6F3-E650-480B-A6B9-9FEDFE581176}"/>
               </a:ext>
             </a:extLst>
@@ -4494,7 +4063,7 @@
 </p:sld>
 </file>
 
-<file path=ppt/slides/slide12.xml><?xml version="1.0" encoding="utf-8"?>
+<file path=ppt/slides/slide11.xml><?xml version="1.0" encoding="utf-8"?>
 <p:sld xmlns:a="http://schemas.openxmlformats.org/drawingml/2006/main" xmlns:r="http://schemas.openxmlformats.org/officeDocument/2006/relationships" xmlns:p="http://schemas.openxmlformats.org/presentationml/2006/main">
   <p:cSld>
     <p:spTree>
@@ -5531,7 +5100,7 @@
 </p:sld>
 </file>
 
-<file path=ppt/slides/slide13.xml><?xml version="1.0" encoding="utf-8"?>
+<file path=ppt/slides/slide12.xml><?xml version="1.0" encoding="utf-8"?>
 <p:sld xmlns:a="http://schemas.openxmlformats.org/drawingml/2006/main" xmlns:r="http://schemas.openxmlformats.org/officeDocument/2006/relationships" xmlns:p="http://schemas.openxmlformats.org/presentationml/2006/main">
   <p:cSld>
     <p:spTree>
@@ -6101,7 +5670,7 @@
 </p:sld>
 </file>
 
-<file path=ppt/slides/slide14.xml><?xml version="1.0" encoding="utf-8"?>
+<file path=ppt/slides/slide13.xml><?xml version="1.0" encoding="utf-8"?>
 <p:sld xmlns:a="http://schemas.openxmlformats.org/drawingml/2006/main" xmlns:r="http://schemas.openxmlformats.org/officeDocument/2006/relationships" xmlns:p="http://schemas.openxmlformats.org/presentationml/2006/main">
   <p:cSld>
     <p:spTree>
@@ -6170,8 +5739,8 @@
         </p:nvSpPr>
         <p:spPr>
           <a:xfrm>
-            <a:off x="306070" y="1039217"/>
-            <a:ext cx="1527982" cy="307777"/>
+            <a:off x="344512" y="1259142"/>
+            <a:ext cx="1608133" cy="307777"/>
           </a:xfrm>
           <a:prstGeom prst="rect">
             <a:avLst/>
@@ -6186,11 +5755,15 @@
           <a:p>
             <a:r>
               <a:rPr lang="en-US" altLang="ko-KR" dirty="0"/>
-              <a:t>Class </a:t>
+              <a:t>[Class </a:t>
             </a:r>
             <a:r>
               <a:rPr lang="en-US" altLang="ko-KR" dirty="0" err="1"/>
-              <a:t>diamgram</a:t>
+              <a:t>Diamgram</a:t>
+            </a:r>
+            <a:r>
+              <a:rPr lang="en-US" altLang="ko-KR" dirty="0"/>
+              <a:t>]</a:t>
             </a:r>
             <a:endParaRPr lang="ko-KR" altLang="en-US" dirty="0"/>
           </a:p>
@@ -6210,7 +5783,7 @@
         </p:nvSpPr>
         <p:spPr bwMode="auto">
           <a:xfrm>
-            <a:off x="425534" y="1471440"/>
+            <a:off x="344512" y="2223800"/>
             <a:ext cx="1719378" cy="1251504"/>
           </a:xfrm>
           <a:prstGeom prst="rect">
@@ -6266,7 +5839,7 @@
         </p:nvSpPr>
         <p:spPr bwMode="auto">
           <a:xfrm>
-            <a:off x="194040" y="3350489"/>
+            <a:off x="2429475" y="2369202"/>
             <a:ext cx="1354239" cy="960699"/>
           </a:xfrm>
           <a:prstGeom prst="rect">
@@ -6352,7 +5925,7 @@
         </p:nvSpPr>
         <p:spPr bwMode="auto">
           <a:xfrm>
-            <a:off x="3768351" y="3341280"/>
+            <a:off x="4164888" y="2369202"/>
             <a:ext cx="1354239" cy="960699"/>
           </a:xfrm>
           <a:prstGeom prst="rect">
@@ -6428,8 +6001,8 @@
         </p:nvSpPr>
         <p:spPr bwMode="auto">
           <a:xfrm>
-            <a:off x="7592258" y="1039217"/>
-            <a:ext cx="1245672" cy="769735"/>
+            <a:off x="7429703" y="3062583"/>
+            <a:ext cx="1354238" cy="960698"/>
           </a:xfrm>
           <a:prstGeom prst="rect">
             <a:avLst/>
@@ -6504,8 +6077,8 @@
         </p:nvSpPr>
         <p:spPr bwMode="auto">
           <a:xfrm>
-            <a:off x="7837607" y="2867201"/>
-            <a:ext cx="1008917" cy="769735"/>
+            <a:off x="4148852" y="3706795"/>
+            <a:ext cx="1354239" cy="960698"/>
           </a:xfrm>
           <a:prstGeom prst="rect">
             <a:avLst/>
@@ -6580,7 +6153,7 @@
         </p:nvSpPr>
         <p:spPr bwMode="auto">
           <a:xfrm>
-            <a:off x="2450830" y="4954568"/>
+            <a:off x="3051515" y="5044387"/>
             <a:ext cx="1464398" cy="769734"/>
           </a:xfrm>
           <a:prstGeom prst="rect">
@@ -6656,7 +6229,7 @@
         </p:nvSpPr>
         <p:spPr bwMode="auto">
           <a:xfrm>
-            <a:off x="4091486" y="4938733"/>
+            <a:off x="5152347" y="5044387"/>
             <a:ext cx="1464398" cy="769734"/>
           </a:xfrm>
           <a:prstGeom prst="rect">
@@ -6732,8 +6305,8 @@
         </p:nvSpPr>
         <p:spPr bwMode="auto">
           <a:xfrm>
-            <a:off x="7830577" y="1953209"/>
-            <a:ext cx="1008917" cy="769735"/>
+            <a:off x="7450493" y="1888853"/>
+            <a:ext cx="1333448" cy="960698"/>
           </a:xfrm>
           <a:prstGeom prst="rect">
             <a:avLst/>
@@ -6794,12 +6367,51 @@
           </a:p>
         </p:txBody>
       </p:sp>
+      <p:cxnSp>
+        <p:nvCxnSpPr>
+          <p:cNvPr id="10" name="직선 화살표 연결선 9">
+            <a:extLst>
+              <a:ext uri="{FF2B5EF4-FFF2-40B4-BE49-F238E27FC236}">
+                <a16:creationId xmlns:a16="http://schemas.microsoft.com/office/drawing/2014/main" id="{A7ECEC06-E721-40F6-BBE8-8530B995F83F}"/>
+              </a:ext>
+            </a:extLst>
+          </p:cNvPr>
+          <p:cNvCxnSpPr>
+            <a:cxnSpLocks/>
+            <a:stCxn id="5" idx="3"/>
+            <a:endCxn id="6" idx="1"/>
+          </p:cNvCxnSpPr>
+          <p:nvPr/>
+        </p:nvCxnSpPr>
+        <p:spPr bwMode="auto">
+          <a:xfrm>
+            <a:off x="2063890" y="2849552"/>
+            <a:ext cx="365585" cy="0"/>
+          </a:xfrm>
+          <a:prstGeom prst="straightConnector1">
+            <a:avLst/>
+          </a:prstGeom>
+          <a:solidFill>
+            <a:schemeClr val="accent1"/>
+          </a:solidFill>
+          <a:ln w="12700" cap="flat" cmpd="sng" algn="ctr">
+            <a:solidFill>
+              <a:schemeClr val="tx1"/>
+            </a:solidFill>
+            <a:prstDash val="solid"/>
+            <a:round/>
+            <a:headEnd type="none" w="med" len="med"/>
+            <a:tailEnd type="triangle"/>
+          </a:ln>
+          <a:effectLst/>
+        </p:spPr>
+      </p:cxnSp>
       <p:sp>
         <p:nvSpPr>
-          <p:cNvPr id="17" name="직사각형 16">
+          <p:cNvPr id="44" name="직사각형 43">
             <a:extLst>
               <a:ext uri="{FF2B5EF4-FFF2-40B4-BE49-F238E27FC236}">
-                <a16:creationId xmlns:a16="http://schemas.microsoft.com/office/drawing/2014/main" id="{7B0684C2-FF85-4504-953E-B24BCCA10527}"/>
+                <a16:creationId xmlns:a16="http://schemas.microsoft.com/office/drawing/2014/main" id="{4AFD3FF3-043D-46D4-A615-8BACCCCCC637}"/>
               </a:ext>
             </a:extLst>
           </p:cNvPr>
@@ -6808,8 +6420,8 @@
         </p:nvSpPr>
         <p:spPr bwMode="auto">
           <a:xfrm>
-            <a:off x="5732142" y="4938733"/>
-            <a:ext cx="1464398" cy="769734"/>
+            <a:off x="5152347" y="1332310"/>
+            <a:ext cx="1333448" cy="659999"/>
           </a:xfrm>
           <a:prstGeom prst="rect">
             <a:avLst/>
@@ -6853,7 +6465,7 @@
               <a:tabLst/>
             </a:pPr>
             <a:r>
-              <a:rPr kumimoji="0" lang="en-US" altLang="ko-KR" sz="1400" b="0" i="0" u="none" strike="noStrike" cap="none" normalizeH="0" baseline="0" dirty="0" err="1">
+              <a:rPr kumimoji="0" lang="en-US" altLang="ko-KR" sz="1000" b="0" i="0" u="none" strike="noStrike" cap="none" normalizeH="0" baseline="0" dirty="0" err="1">
                 <a:ln>
                   <a:noFill/>
                 </a:ln>
@@ -6864,9 +6476,9 @@
                 <a:latin typeface="Arial" charset="0"/>
                 <a:ea typeface="HY울릉도M" pitchFamily="18" charset="-127"/>
               </a:rPr>
-              <a:t>Hide_render</a:t>
+              <a:t>Add_Change_Panel</a:t>
             </a:r>
-            <a:endParaRPr kumimoji="0" lang="ko-KR" altLang="en-US" sz="1400" b="0" i="0" u="none" strike="noStrike" cap="none" normalizeH="0" baseline="0" dirty="0">
+            <a:endParaRPr kumimoji="0" lang="ko-KR" altLang="en-US" sz="1000" b="0" i="0" u="none" strike="noStrike" cap="none" normalizeH="0" baseline="0" dirty="0">
               <a:ln>
                 <a:noFill/>
               </a:ln>
@@ -6882,10 +6494,10 @@
       </p:sp>
       <p:sp>
         <p:nvSpPr>
-          <p:cNvPr id="18" name="직사각형 17">
+          <p:cNvPr id="52" name="직사각형 51">
             <a:extLst>
               <a:ext uri="{FF2B5EF4-FFF2-40B4-BE49-F238E27FC236}">
-                <a16:creationId xmlns:a16="http://schemas.microsoft.com/office/drawing/2014/main" id="{5913AE8F-C3A9-43B4-84F2-E8A7DB6FCB47}"/>
+                <a16:creationId xmlns:a16="http://schemas.microsoft.com/office/drawing/2014/main" id="{BBAF46EC-2B1F-40FF-941A-1840099779A9}"/>
               </a:ext>
             </a:extLst>
           </p:cNvPr>
@@ -6894,8 +6506,8 @@
         </p:nvSpPr>
         <p:spPr bwMode="auto">
           <a:xfrm>
-            <a:off x="7372798" y="4938733"/>
-            <a:ext cx="1464398" cy="769734"/>
+            <a:off x="3886876" y="1332310"/>
+            <a:ext cx="961263" cy="659999"/>
           </a:xfrm>
           <a:prstGeom prst="rect">
             <a:avLst/>
@@ -6939,7 +6551,7 @@
               <a:tabLst/>
             </a:pPr>
             <a:r>
-              <a:rPr kumimoji="0" lang="en-US" altLang="ko-KR" sz="1400" b="0" i="0" u="none" strike="noStrike" cap="none" normalizeH="0" baseline="0" dirty="0" err="1">
+              <a:rPr kumimoji="0" lang="en-US" altLang="ko-KR" sz="1000" b="0" i="0" u="none" strike="noStrike" cap="none" normalizeH="0" baseline="0" dirty="0" err="1">
                 <a:ln>
                   <a:noFill/>
                 </a:ln>
@@ -6950,181 +6562,9 @@
                 <a:latin typeface="Arial" charset="0"/>
                 <a:ea typeface="HY울릉도M" pitchFamily="18" charset="-127"/>
               </a:rPr>
-              <a:t>Show_render</a:t>
+              <a:t>sortExcel</a:t>
             </a:r>
-            <a:endParaRPr kumimoji="0" lang="ko-KR" altLang="en-US" sz="1400" b="0" i="0" u="none" strike="noStrike" cap="none" normalizeH="0" baseline="0" dirty="0">
-              <a:ln>
-                <a:noFill/>
-              </a:ln>
-              <a:solidFill>
-                <a:schemeClr val="tx1"/>
-              </a:solidFill>
-              <a:effectLst/>
-              <a:latin typeface="Arial" charset="0"/>
-              <a:ea typeface="HY울릉도M" pitchFamily="18" charset="-127"/>
-            </a:endParaRPr>
-          </a:p>
-        </p:txBody>
-      </p:sp>
-      <p:sp>
-        <p:nvSpPr>
-          <p:cNvPr id="19" name="직사각형 18">
-            <a:extLst>
-              <a:ext uri="{FF2B5EF4-FFF2-40B4-BE49-F238E27FC236}">
-                <a16:creationId xmlns:a16="http://schemas.microsoft.com/office/drawing/2014/main" id="{19D75FFB-A70D-42FD-B0F7-0AF69B5895BB}"/>
-              </a:ext>
-            </a:extLst>
-          </p:cNvPr>
-          <p:cNvSpPr/>
-          <p:nvPr/>
-        </p:nvSpPr>
-        <p:spPr bwMode="auto">
-          <a:xfrm>
-            <a:off x="1812486" y="3603015"/>
-            <a:ext cx="1719378" cy="443696"/>
-          </a:xfrm>
-          <a:prstGeom prst="rect">
-            <a:avLst/>
-          </a:prstGeom>
-          <a:solidFill>
-            <a:schemeClr val="bg1"/>
-          </a:solidFill>
-          <a:ln w="12700" cap="flat" cmpd="sng" algn="ctr">
-            <a:solidFill>
-              <a:schemeClr val="tx1"/>
-            </a:solidFill>
-            <a:prstDash val="solid"/>
-            <a:round/>
-            <a:headEnd type="none" w="med" len="med"/>
-            <a:tailEnd type="none" w="med" len="med"/>
-          </a:ln>
-          <a:effectLst/>
-        </p:spPr>
-        <p:txBody>
-          <a:bodyPr vert="horz" wrap="none" lIns="90000" tIns="46800" rIns="90000" bIns="46800" numCol="1" rtlCol="0" anchor="ctr" anchorCtr="0" compatLnSpc="1">
-            <a:prstTxWarp prst="textNoShape">
-              <a:avLst/>
-            </a:prstTxWarp>
-          </a:bodyPr>
-          <a:lstStyle/>
-          <a:p>
-            <a:pPr marL="0" marR="0" indent="0" algn="l" defTabSz="914400" rtl="0" eaLnBrk="0" fontAlgn="base" latinLnBrk="0" hangingPunct="0">
-              <a:lnSpc>
-                <a:spcPct val="100000"/>
-              </a:lnSpc>
-              <a:spcBef>
-                <a:spcPct val="0"/>
-              </a:spcBef>
-              <a:spcAft>
-                <a:spcPct val="0"/>
-              </a:spcAft>
-              <a:buClrTx/>
-              <a:buSzTx/>
-              <a:buFontTx/>
-              <a:buNone/>
-              <a:tabLst/>
-            </a:pPr>
-            <a:r>
-              <a:rPr kumimoji="0" lang="en-US" altLang="ko-KR" sz="1400" b="0" i="0" u="none" strike="noStrike" cap="none" normalizeH="0" baseline="0" dirty="0" err="1">
-                <a:ln>
-                  <a:noFill/>
-                </a:ln>
-                <a:solidFill>
-                  <a:schemeClr val="tx1"/>
-                </a:solidFill>
-                <a:effectLst/>
-                <a:latin typeface="Arial" charset="0"/>
-                <a:ea typeface="HY울릉도M" pitchFamily="18" charset="-127"/>
-              </a:rPr>
-              <a:t>Add_Change_Panel</a:t>
-            </a:r>
-            <a:endParaRPr kumimoji="0" lang="ko-KR" altLang="en-US" sz="1400" b="0" i="0" u="none" strike="noStrike" cap="none" normalizeH="0" baseline="0" dirty="0">
-              <a:ln>
-                <a:noFill/>
-              </a:ln>
-              <a:solidFill>
-                <a:schemeClr val="tx1"/>
-              </a:solidFill>
-              <a:effectLst/>
-              <a:latin typeface="Arial" charset="0"/>
-              <a:ea typeface="HY울릉도M" pitchFamily="18" charset="-127"/>
-            </a:endParaRPr>
-          </a:p>
-        </p:txBody>
-      </p:sp>
-      <p:sp>
-        <p:nvSpPr>
-          <p:cNvPr id="20" name="직사각형 19">
-            <a:extLst>
-              <a:ext uri="{FF2B5EF4-FFF2-40B4-BE49-F238E27FC236}">
-                <a16:creationId xmlns:a16="http://schemas.microsoft.com/office/drawing/2014/main" id="{E2199EC1-665E-4DA6-93E8-5720125C2BBF}"/>
-              </a:ext>
-            </a:extLst>
-          </p:cNvPr>
-          <p:cNvSpPr/>
-          <p:nvPr/>
-        </p:nvSpPr>
-        <p:spPr bwMode="auto">
-          <a:xfrm>
-            <a:off x="5375365" y="3606852"/>
-            <a:ext cx="1719378" cy="443696"/>
-          </a:xfrm>
-          <a:prstGeom prst="rect">
-            <a:avLst/>
-          </a:prstGeom>
-          <a:solidFill>
-            <a:schemeClr val="bg1"/>
-          </a:solidFill>
-          <a:ln w="12700" cap="flat" cmpd="sng" algn="ctr">
-            <a:solidFill>
-              <a:schemeClr val="tx1"/>
-            </a:solidFill>
-            <a:prstDash val="solid"/>
-            <a:round/>
-            <a:headEnd type="none" w="med" len="med"/>
-            <a:tailEnd type="none" w="med" len="med"/>
-          </a:ln>
-          <a:effectLst/>
-        </p:spPr>
-        <p:txBody>
-          <a:bodyPr vert="horz" wrap="none" lIns="90000" tIns="46800" rIns="90000" bIns="46800" numCol="1" rtlCol="0" anchor="ctr" anchorCtr="0" compatLnSpc="1">
-            <a:prstTxWarp prst="textNoShape">
-              <a:avLst/>
-            </a:prstTxWarp>
-          </a:bodyPr>
-          <a:lstStyle/>
-          <a:p>
-            <a:pPr marL="0" marR="0" indent="0" algn="l" defTabSz="914400" rtl="0" eaLnBrk="0" fontAlgn="base" latinLnBrk="0" hangingPunct="0">
-              <a:lnSpc>
-                <a:spcPct val="100000"/>
-              </a:lnSpc>
-              <a:spcBef>
-                <a:spcPct val="0"/>
-              </a:spcBef>
-              <a:spcAft>
-                <a:spcPct val="0"/>
-              </a:spcAft>
-              <a:buClrTx/>
-              <a:buSzTx/>
-              <a:buFontTx/>
-              <a:buNone/>
-              <a:tabLst/>
-            </a:pPr>
-            <a:r>
-              <a:rPr kumimoji="0" lang="en-US" altLang="ko-KR" sz="1400" b="0" i="0" u="none" strike="noStrike" cap="none" normalizeH="0" baseline="0" dirty="0" err="1">
-                <a:ln>
-                  <a:noFill/>
-                </a:ln>
-                <a:solidFill>
-                  <a:schemeClr val="tx1"/>
-                </a:solidFill>
-                <a:effectLst/>
-                <a:latin typeface="Arial" charset="0"/>
-                <a:ea typeface="HY울릉도M" pitchFamily="18" charset="-127"/>
-              </a:rPr>
-              <a:t>Add_Change_Panel</a:t>
-            </a:r>
-            <a:endParaRPr kumimoji="0" lang="ko-KR" altLang="en-US" sz="1400" b="0" i="0" u="none" strike="noStrike" cap="none" normalizeH="0" baseline="0" dirty="0">
+            <a:endParaRPr kumimoji="0" lang="ko-KR" altLang="en-US" sz="1000" b="0" i="0" u="none" strike="noStrike" cap="none" normalizeH="0" baseline="0" dirty="0">
               <a:ln>
                 <a:noFill/>
               </a:ln>
@@ -7140,200 +6580,23 @@
       </p:sp>
       <p:cxnSp>
         <p:nvCxnSpPr>
-          <p:cNvPr id="32" name="직선 연결선 31">
+          <p:cNvPr id="17" name="직선 화살표 연결선 16">
             <a:extLst>
               <a:ext uri="{FF2B5EF4-FFF2-40B4-BE49-F238E27FC236}">
-                <a16:creationId xmlns:a16="http://schemas.microsoft.com/office/drawing/2014/main" id="{182F5A61-B9DA-4D59-9691-278DC9D2666F}"/>
-              </a:ext>
-            </a:extLst>
-          </p:cNvPr>
-          <p:cNvCxnSpPr/>
-          <p:nvPr/>
-        </p:nvCxnSpPr>
-        <p:spPr bwMode="auto">
-          <a:xfrm flipH="1">
-            <a:off x="425534" y="2722944"/>
-            <a:ext cx="199499" cy="627544"/>
-          </a:xfrm>
-          <a:prstGeom prst="line">
-            <a:avLst/>
-          </a:prstGeom>
-          <a:solidFill>
-            <a:schemeClr val="accent1"/>
-          </a:solidFill>
-          <a:ln w="12700" cap="flat" cmpd="sng" algn="ctr">
-            <a:solidFill>
-              <a:schemeClr val="tx1"/>
-            </a:solidFill>
-            <a:prstDash val="solid"/>
-            <a:round/>
-            <a:headEnd type="none" w="med" len="med"/>
-            <a:tailEnd type="none" w="med" len="med"/>
-          </a:ln>
-          <a:effectLst/>
-        </p:spPr>
-      </p:cxnSp>
-      <p:cxnSp>
-        <p:nvCxnSpPr>
-          <p:cNvPr id="36" name="직선 연결선 35">
-            <a:extLst>
-              <a:ext uri="{FF2B5EF4-FFF2-40B4-BE49-F238E27FC236}">
-                <a16:creationId xmlns:a16="http://schemas.microsoft.com/office/drawing/2014/main" id="{62BE1789-36AA-4836-BDF7-C7E913003BCD}"/>
-              </a:ext>
-            </a:extLst>
-          </p:cNvPr>
-          <p:cNvCxnSpPr/>
-          <p:nvPr/>
-        </p:nvCxnSpPr>
-        <p:spPr bwMode="auto">
-          <a:xfrm>
-            <a:off x="1804394" y="2722944"/>
-            <a:ext cx="2100590" cy="706056"/>
-          </a:xfrm>
-          <a:prstGeom prst="line">
-            <a:avLst/>
-          </a:prstGeom>
-          <a:solidFill>
-            <a:schemeClr val="accent1"/>
-          </a:solidFill>
-          <a:ln w="12700" cap="flat" cmpd="sng" algn="ctr">
-            <a:solidFill>
-              <a:schemeClr val="tx1"/>
-            </a:solidFill>
-            <a:prstDash val="solid"/>
-            <a:round/>
-            <a:headEnd type="none" w="med" len="med"/>
-            <a:tailEnd type="none" w="med" len="med"/>
-          </a:ln>
-          <a:effectLst/>
-        </p:spPr>
-      </p:cxnSp>
-      <p:cxnSp>
-        <p:nvCxnSpPr>
-          <p:cNvPr id="38" name="직선 연결선 37">
-            <a:extLst>
-              <a:ext uri="{FF2B5EF4-FFF2-40B4-BE49-F238E27FC236}">
-                <a16:creationId xmlns:a16="http://schemas.microsoft.com/office/drawing/2014/main" id="{0AC4E30D-A853-4D11-8C71-D0B1B10F8A18}"/>
-              </a:ext>
-            </a:extLst>
-          </p:cNvPr>
-          <p:cNvCxnSpPr>
-            <a:endCxn id="12" idx="1"/>
-          </p:cNvCxnSpPr>
-          <p:nvPr/>
-        </p:nvCxnSpPr>
-        <p:spPr bwMode="auto">
-          <a:xfrm flipV="1">
-            <a:off x="2144912" y="1424085"/>
-            <a:ext cx="5447346" cy="288968"/>
-          </a:xfrm>
-          <a:prstGeom prst="line">
-            <a:avLst/>
-          </a:prstGeom>
-          <a:solidFill>
-            <a:schemeClr val="accent1"/>
-          </a:solidFill>
-          <a:ln w="12700" cap="flat" cmpd="sng" algn="ctr">
-            <a:solidFill>
-              <a:schemeClr val="tx1"/>
-            </a:solidFill>
-            <a:prstDash val="solid"/>
-            <a:round/>
-            <a:headEnd type="none" w="med" len="med"/>
-            <a:tailEnd type="none" w="med" len="med"/>
-          </a:ln>
-          <a:effectLst/>
-        </p:spPr>
-      </p:cxnSp>
-      <p:cxnSp>
-        <p:nvCxnSpPr>
-          <p:cNvPr id="40" name="직선 연결선 39">
-            <a:extLst>
-              <a:ext uri="{FF2B5EF4-FFF2-40B4-BE49-F238E27FC236}">
-                <a16:creationId xmlns:a16="http://schemas.microsoft.com/office/drawing/2014/main" id="{11BAB73F-CB9E-4AE8-9E60-230F991BC42A}"/>
-              </a:ext>
-            </a:extLst>
-          </p:cNvPr>
-          <p:cNvCxnSpPr/>
-          <p:nvPr/>
-        </p:nvCxnSpPr>
-        <p:spPr bwMode="auto">
-          <a:xfrm>
-            <a:off x="2144912" y="1952708"/>
-            <a:ext cx="5685665" cy="247836"/>
-          </a:xfrm>
-          <a:prstGeom prst="line">
-            <a:avLst/>
-          </a:prstGeom>
-          <a:solidFill>
-            <a:schemeClr val="accent1"/>
-          </a:solidFill>
-          <a:ln w="12700" cap="flat" cmpd="sng" algn="ctr">
-            <a:solidFill>
-              <a:schemeClr val="tx1"/>
-            </a:solidFill>
-            <a:prstDash val="solid"/>
-            <a:round/>
-            <a:headEnd type="none" w="med" len="med"/>
-            <a:tailEnd type="none" w="med" len="med"/>
-          </a:ln>
-          <a:effectLst/>
-        </p:spPr>
-      </p:cxnSp>
-      <p:cxnSp>
-        <p:nvCxnSpPr>
-          <p:cNvPr id="42" name="직선 연결선 41">
-            <a:extLst>
-              <a:ext uri="{FF2B5EF4-FFF2-40B4-BE49-F238E27FC236}">
-                <a16:creationId xmlns:a16="http://schemas.microsoft.com/office/drawing/2014/main" id="{30A26F25-D9F7-401D-A030-D937D1499FB0}"/>
-              </a:ext>
-            </a:extLst>
-          </p:cNvPr>
-          <p:cNvCxnSpPr/>
-          <p:nvPr/>
-        </p:nvCxnSpPr>
-        <p:spPr bwMode="auto">
-          <a:xfrm>
-            <a:off x="2144912" y="2233084"/>
-            <a:ext cx="5692695" cy="901641"/>
-          </a:xfrm>
-          <a:prstGeom prst="line">
-            <a:avLst/>
-          </a:prstGeom>
-          <a:solidFill>
-            <a:schemeClr val="accent1"/>
-          </a:solidFill>
-          <a:ln w="12700" cap="flat" cmpd="sng" algn="ctr">
-            <a:solidFill>
-              <a:schemeClr val="tx1"/>
-            </a:solidFill>
-            <a:prstDash val="solid"/>
-            <a:round/>
-            <a:headEnd type="none" w="med" len="med"/>
-            <a:tailEnd type="none" w="med" len="med"/>
-          </a:ln>
-          <a:effectLst/>
-        </p:spPr>
-      </p:cxnSp>
-      <p:cxnSp>
-        <p:nvCxnSpPr>
-          <p:cNvPr id="46" name="직선 화살표 연결선 45">
-            <a:extLst>
-              <a:ext uri="{FF2B5EF4-FFF2-40B4-BE49-F238E27FC236}">
-                <a16:creationId xmlns:a16="http://schemas.microsoft.com/office/drawing/2014/main" id="{925790E2-DFEF-4A06-8382-104E8B28FB95}"/>
+                <a16:creationId xmlns:a16="http://schemas.microsoft.com/office/drawing/2014/main" id="{3320E0CA-1068-489A-AF3C-D41B5CE11E91}"/>
               </a:ext>
             </a:extLst>
           </p:cNvPr>
           <p:cNvCxnSpPr>
             <a:stCxn id="6" idx="3"/>
-            <a:endCxn id="19" idx="1"/>
+            <a:endCxn id="11" idx="1"/>
           </p:cNvCxnSpPr>
           <p:nvPr/>
         </p:nvCxnSpPr>
         <p:spPr bwMode="auto">
-          <a:xfrm flipV="1">
-            <a:off x="1548279" y="3824863"/>
-            <a:ext cx="264207" cy="5976"/>
+          <a:xfrm>
+            <a:off x="3783714" y="2849552"/>
+            <a:ext cx="381174" cy="0"/>
           </a:xfrm>
           <a:prstGeom prst="straightConnector1">
             <a:avLst/>
@@ -7355,23 +6618,23 @@
       </p:cxnSp>
       <p:cxnSp>
         <p:nvCxnSpPr>
-          <p:cNvPr id="49" name="직선 화살표 연결선 48">
+          <p:cNvPr id="28" name="직선 화살표 연결선 27">
             <a:extLst>
               <a:ext uri="{FF2B5EF4-FFF2-40B4-BE49-F238E27FC236}">
-                <a16:creationId xmlns:a16="http://schemas.microsoft.com/office/drawing/2014/main" id="{C89D4D32-EBA8-4187-9C6F-54D82CC43D66}"/>
+                <a16:creationId xmlns:a16="http://schemas.microsoft.com/office/drawing/2014/main" id="{00B98E4C-9C73-44EC-AC38-22D82CE6AAB4}"/>
               </a:ext>
             </a:extLst>
           </p:cNvPr>
           <p:cNvCxnSpPr>
-            <a:stCxn id="19" idx="3"/>
-            <a:endCxn id="11" idx="1"/>
+            <a:stCxn id="11" idx="0"/>
+            <a:endCxn id="44" idx="2"/>
           </p:cNvCxnSpPr>
           <p:nvPr/>
         </p:nvCxnSpPr>
         <p:spPr bwMode="auto">
           <a:xfrm flipV="1">
-            <a:off x="3531864" y="3821630"/>
-            <a:ext cx="236487" cy="3233"/>
+            <a:off x="4842008" y="1992309"/>
+            <a:ext cx="977063" cy="376893"/>
           </a:xfrm>
           <a:prstGeom prst="straightConnector1">
             <a:avLst/>
@@ -7393,23 +6656,23 @@
       </p:cxnSp>
       <p:cxnSp>
         <p:nvCxnSpPr>
-          <p:cNvPr id="51" name="직선 화살표 연결선 50">
+          <p:cNvPr id="30" name="직선 화살표 연결선 29">
             <a:extLst>
               <a:ext uri="{FF2B5EF4-FFF2-40B4-BE49-F238E27FC236}">
-                <a16:creationId xmlns:a16="http://schemas.microsoft.com/office/drawing/2014/main" id="{A73A6C92-3BAA-478C-9551-6F83797E15C3}"/>
+                <a16:creationId xmlns:a16="http://schemas.microsoft.com/office/drawing/2014/main" id="{83858453-297B-4150-873A-D85E2742352C}"/>
               </a:ext>
             </a:extLst>
           </p:cNvPr>
           <p:cNvCxnSpPr>
             <a:stCxn id="11" idx="3"/>
-            <a:endCxn id="20" idx="1"/>
+            <a:endCxn id="16" idx="1"/>
           </p:cNvCxnSpPr>
           <p:nvPr/>
         </p:nvCxnSpPr>
         <p:spPr bwMode="auto">
-          <a:xfrm>
-            <a:off x="5122590" y="3821630"/>
-            <a:ext cx="252775" cy="7070"/>
+          <a:xfrm flipV="1">
+            <a:off x="5519127" y="2369202"/>
+            <a:ext cx="1931366" cy="480350"/>
           </a:xfrm>
           <a:prstGeom prst="straightConnector1">
             <a:avLst/>
@@ -7431,23 +6694,23 @@
       </p:cxnSp>
       <p:cxnSp>
         <p:nvCxnSpPr>
-          <p:cNvPr id="61" name="직선 화살표 연결선 60">
+          <p:cNvPr id="32" name="직선 화살표 연결선 31">
             <a:extLst>
               <a:ext uri="{FF2B5EF4-FFF2-40B4-BE49-F238E27FC236}">
-                <a16:creationId xmlns:a16="http://schemas.microsoft.com/office/drawing/2014/main" id="{7C2B2705-9B21-4957-B36A-867CC9FBB1CB}"/>
+                <a16:creationId xmlns:a16="http://schemas.microsoft.com/office/drawing/2014/main" id="{98A06733-0487-4354-9BD0-FF38BAFDF802}"/>
               </a:ext>
             </a:extLst>
           </p:cNvPr>
           <p:cNvCxnSpPr>
-            <a:cxnSpLocks/>
-            <a:stCxn id="20" idx="3"/>
+            <a:stCxn id="11" idx="3"/>
+            <a:endCxn id="12" idx="1"/>
           </p:cNvCxnSpPr>
           <p:nvPr/>
         </p:nvCxnSpPr>
         <p:spPr bwMode="auto">
-          <a:xfrm flipV="1">
-            <a:off x="7094743" y="3591017"/>
-            <a:ext cx="728821" cy="237683"/>
+          <a:xfrm>
+            <a:off x="5519127" y="2849552"/>
+            <a:ext cx="1910576" cy="693380"/>
           </a:xfrm>
           <a:prstGeom prst="straightConnector1">
             <a:avLst/>
@@ -7469,20 +6732,23 @@
       </p:cxnSp>
       <p:cxnSp>
         <p:nvCxnSpPr>
-          <p:cNvPr id="63" name="직선 화살표 연결선 62">
+          <p:cNvPr id="36" name="직선 화살표 연결선 35">
             <a:extLst>
               <a:ext uri="{FF2B5EF4-FFF2-40B4-BE49-F238E27FC236}">
-                <a16:creationId xmlns:a16="http://schemas.microsoft.com/office/drawing/2014/main" id="{356F6004-F252-45E3-ACE0-67DDE658508B}"/>
+                <a16:creationId xmlns:a16="http://schemas.microsoft.com/office/drawing/2014/main" id="{EF5BA00C-7950-4EC5-A0C8-D7D31EB8E05A}"/>
               </a:ext>
             </a:extLst>
           </p:cNvPr>
-          <p:cNvCxnSpPr/>
+          <p:cNvCxnSpPr>
+            <a:stCxn id="11" idx="2"/>
+            <a:endCxn id="13" idx="0"/>
+          </p:cNvCxnSpPr>
           <p:nvPr/>
         </p:nvCxnSpPr>
         <p:spPr bwMode="auto">
-          <a:xfrm flipV="1">
-            <a:off x="6771158" y="2511706"/>
-            <a:ext cx="1059419" cy="1091309"/>
+          <a:xfrm flipH="1">
+            <a:off x="4825972" y="3329901"/>
+            <a:ext cx="16036" cy="376894"/>
           </a:xfrm>
           <a:prstGeom prst="straightConnector1">
             <a:avLst/>
@@ -7504,20 +6770,23 @@
       </p:cxnSp>
       <p:cxnSp>
         <p:nvCxnSpPr>
-          <p:cNvPr id="65" name="직선 화살표 연결선 64">
+          <p:cNvPr id="38" name="직선 화살표 연결선 37">
             <a:extLst>
               <a:ext uri="{FF2B5EF4-FFF2-40B4-BE49-F238E27FC236}">
-                <a16:creationId xmlns:a16="http://schemas.microsoft.com/office/drawing/2014/main" id="{D731FA98-8DF4-4854-BC5D-2C18C0BE0AB3}"/>
+                <a16:creationId xmlns:a16="http://schemas.microsoft.com/office/drawing/2014/main" id="{20F98236-9CC2-4EB5-B6EF-253030C6AB88}"/>
               </a:ext>
             </a:extLst>
           </p:cNvPr>
-          <p:cNvCxnSpPr/>
+          <p:cNvCxnSpPr>
+            <a:stCxn id="13" idx="2"/>
+            <a:endCxn id="14" idx="0"/>
+          </p:cNvCxnSpPr>
           <p:nvPr/>
         </p:nvCxnSpPr>
         <p:spPr bwMode="auto">
-          <a:xfrm flipV="1">
-            <a:off x="6547958" y="1610285"/>
-            <a:ext cx="1010167" cy="1992730"/>
+          <a:xfrm flipH="1">
+            <a:off x="3783714" y="4667493"/>
+            <a:ext cx="1042258" cy="376894"/>
           </a:xfrm>
           <a:prstGeom prst="straightConnector1">
             <a:avLst/>
@@ -7539,24 +6808,25 @@
       </p:cxnSp>
       <p:cxnSp>
         <p:nvCxnSpPr>
-          <p:cNvPr id="67" name="직선 연결선 66">
+          <p:cNvPr id="40" name="직선 화살표 연결선 39">
             <a:extLst>
               <a:ext uri="{FF2B5EF4-FFF2-40B4-BE49-F238E27FC236}">
-                <a16:creationId xmlns:a16="http://schemas.microsoft.com/office/drawing/2014/main" id="{F033D351-2CDD-4502-B59B-3899B27651E6}"/>
+                <a16:creationId xmlns:a16="http://schemas.microsoft.com/office/drawing/2014/main" id="{147E54A1-FC44-4313-A67D-E487AE40BD60}"/>
               </a:ext>
             </a:extLst>
           </p:cNvPr>
           <p:cNvCxnSpPr>
-            <a:cxnSpLocks/>
+            <a:stCxn id="13" idx="2"/>
+            <a:endCxn id="15" idx="0"/>
           </p:cNvCxnSpPr>
           <p:nvPr/>
         </p:nvCxnSpPr>
         <p:spPr bwMode="auto">
-          <a:xfrm flipH="1">
-            <a:off x="8550982" y="3636936"/>
-            <a:ext cx="197288" cy="1301797"/>
+          <a:xfrm>
+            <a:off x="4825972" y="4667493"/>
+            <a:ext cx="1058574" cy="376894"/>
           </a:xfrm>
-          <a:prstGeom prst="line">
+          <a:prstGeom prst="straightConnector1">
             <a:avLst/>
           </a:prstGeom>
           <a:solidFill>
@@ -7569,31 +6839,32 @@
             <a:prstDash val="solid"/>
             <a:round/>
             <a:headEnd type="none" w="med" len="med"/>
-            <a:tailEnd type="none" w="med" len="med"/>
+            <a:tailEnd type="triangle"/>
           </a:ln>
           <a:effectLst/>
         </p:spPr>
       </p:cxnSp>
       <p:cxnSp>
         <p:nvCxnSpPr>
-          <p:cNvPr id="70" name="직선 연결선 69">
+          <p:cNvPr id="42" name="직선 화살표 연결선 41">
             <a:extLst>
               <a:ext uri="{FF2B5EF4-FFF2-40B4-BE49-F238E27FC236}">
-                <a16:creationId xmlns:a16="http://schemas.microsoft.com/office/drawing/2014/main" id="{CE8F1B6E-4EF4-4294-A30E-2192B07A56CF}"/>
+                <a16:creationId xmlns:a16="http://schemas.microsoft.com/office/drawing/2014/main" id="{4DF8BE98-EAE8-47A3-B1B0-BB26C7AA00E6}"/>
               </a:ext>
             </a:extLst>
           </p:cNvPr>
           <p:cNvCxnSpPr>
-            <a:cxnSpLocks/>
+            <a:stCxn id="11" idx="0"/>
+            <a:endCxn id="52" idx="2"/>
           </p:cNvCxnSpPr>
           <p:nvPr/>
         </p:nvCxnSpPr>
         <p:spPr bwMode="auto">
-          <a:xfrm flipH="1">
-            <a:off x="7064836" y="3636936"/>
-            <a:ext cx="1517456" cy="1301797"/>
+          <a:xfrm flipH="1" flipV="1">
+            <a:off x="4367508" y="1992309"/>
+            <a:ext cx="474500" cy="376893"/>
           </a:xfrm>
-          <a:prstGeom prst="line">
+          <a:prstGeom prst="straightConnector1">
             <a:avLst/>
           </a:prstGeom>
           <a:solidFill>
@@ -7606,81 +6877,7 @@
             <a:prstDash val="solid"/>
             <a:round/>
             <a:headEnd type="none" w="med" len="med"/>
-            <a:tailEnd type="none" w="med" len="med"/>
-          </a:ln>
-          <a:effectLst/>
-        </p:spPr>
-      </p:cxnSp>
-      <p:cxnSp>
-        <p:nvCxnSpPr>
-          <p:cNvPr id="74" name="직선 연결선 73">
-            <a:extLst>
-              <a:ext uri="{FF2B5EF4-FFF2-40B4-BE49-F238E27FC236}">
-                <a16:creationId xmlns:a16="http://schemas.microsoft.com/office/drawing/2014/main" id="{48F939BB-158D-4FD1-AF42-429BFDEAA2B3}"/>
-              </a:ext>
-            </a:extLst>
-          </p:cNvPr>
-          <p:cNvCxnSpPr>
-            <a:cxnSpLocks/>
-          </p:cNvCxnSpPr>
-          <p:nvPr/>
-        </p:nvCxnSpPr>
-        <p:spPr bwMode="auto">
-          <a:xfrm flipH="1">
-            <a:off x="5359078" y="3635555"/>
-            <a:ext cx="3102978" cy="1303178"/>
-          </a:xfrm>
-          <a:prstGeom prst="line">
-            <a:avLst/>
-          </a:prstGeom>
-          <a:solidFill>
-            <a:schemeClr val="accent1"/>
-          </a:solidFill>
-          <a:ln w="12700" cap="flat" cmpd="sng" algn="ctr">
-            <a:solidFill>
-              <a:schemeClr val="tx1"/>
-            </a:solidFill>
-            <a:prstDash val="solid"/>
-            <a:round/>
-            <a:headEnd type="none" w="med" len="med"/>
-            <a:tailEnd type="none" w="med" len="med"/>
-          </a:ln>
-          <a:effectLst/>
-        </p:spPr>
-      </p:cxnSp>
-      <p:cxnSp>
-        <p:nvCxnSpPr>
-          <p:cNvPr id="79" name="직선 연결선 78">
-            <a:extLst>
-              <a:ext uri="{FF2B5EF4-FFF2-40B4-BE49-F238E27FC236}">
-                <a16:creationId xmlns:a16="http://schemas.microsoft.com/office/drawing/2014/main" id="{810119D0-8C90-46B1-BF3B-FF5CDDB3DCA1}"/>
-              </a:ext>
-            </a:extLst>
-          </p:cNvPr>
-          <p:cNvCxnSpPr>
-            <a:cxnSpLocks/>
-          </p:cNvCxnSpPr>
-          <p:nvPr/>
-        </p:nvCxnSpPr>
-        <p:spPr bwMode="auto">
-          <a:xfrm flipH="1">
-            <a:off x="3819646" y="3635555"/>
-            <a:ext cx="4386805" cy="1303178"/>
-          </a:xfrm>
-          <a:prstGeom prst="line">
-            <a:avLst/>
-          </a:prstGeom>
-          <a:solidFill>
-            <a:schemeClr val="accent1"/>
-          </a:solidFill>
-          <a:ln w="12700" cap="flat" cmpd="sng" algn="ctr">
-            <a:solidFill>
-              <a:schemeClr val="tx1"/>
-            </a:solidFill>
-            <a:prstDash val="solid"/>
-            <a:round/>
-            <a:headEnd type="none" w="med" len="med"/>
-            <a:tailEnd type="none" w="med" len="med"/>
+            <a:tailEnd type="triangle"/>
           </a:ln>
           <a:effectLst/>
         </p:spPr>
@@ -7771,14 +6968,14 @@
             <p:ph idx="1"/>
             <p:extLst>
               <p:ext uri="{D42A27DB-BD31-4B8C-83A1-F6EECF244321}">
-                <p14:modId xmlns:p14="http://schemas.microsoft.com/office/powerpoint/2010/main" val="3161586229"/>
+                <p14:modId xmlns:p14="http://schemas.microsoft.com/office/powerpoint/2010/main" val="2799267591"/>
               </p:ext>
             </p:extLst>
           </p:nvPr>
         </p:nvGraphicFramePr>
         <p:xfrm>
           <a:off x="280988" y="1025525"/>
-          <a:ext cx="8582024" cy="2966720"/>
+          <a:ext cx="8582024" cy="3079051"/>
         </p:xfrm>
         <a:graphic>
           <a:graphicData uri="http://schemas.openxmlformats.org/drawingml/2006/table">
@@ -8197,7 +7394,7 @@
                   </a:ext>
                 </a:extLst>
               </a:tr>
-              <a:tr h="370840">
+              <a:tr h="396811">
                 <a:tc>
                   <a:txBody>
                     <a:bodyPr/>
@@ -8331,7 +7528,17 @@
                     <a:lstStyle/>
                     <a:p>
                       <a:pPr algn="ctr" latinLnBrk="1"/>
-                      <a:endParaRPr lang="ko-KR" altLang="en-US" sz="1200" b="0">
+                      <a:r>
+                        <a:rPr lang="en-US" altLang="ko-KR" sz="1200" b="0" dirty="0">
+                          <a:solidFill>
+                            <a:schemeClr val="tx1"/>
+                          </a:solidFill>
+                          <a:latin typeface="맑은 고딕" pitchFamily="50" charset="-127"/>
+                          <a:ea typeface="맑은 고딕" pitchFamily="50" charset="-127"/>
+                        </a:rPr>
+                        <a:t>2018-06-01</a:t>
+                      </a:r>
+                      <a:endParaRPr lang="ko-KR" altLang="en-US" sz="1200" b="0" dirty="0">
                         <a:solidFill>
                           <a:schemeClr val="tx1"/>
                         </a:solidFill>
@@ -8352,6 +7559,16 @@
                     <a:lstStyle/>
                     <a:p>
                       <a:pPr algn="ctr" latinLnBrk="1"/>
+                      <a:r>
+                        <a:rPr lang="en-US" altLang="ko-KR" sz="1200" b="0" dirty="0">
+                          <a:solidFill>
+                            <a:schemeClr val="tx1"/>
+                          </a:solidFill>
+                          <a:latin typeface="맑은 고딕" pitchFamily="50" charset="-127"/>
+                          <a:ea typeface="맑은 고딕" pitchFamily="50" charset="-127"/>
+                        </a:rPr>
+                        <a:t>V2.01</a:t>
+                      </a:r>
                       <a:endParaRPr lang="ko-KR" altLang="en-US" sz="1200" b="0" dirty="0">
                         <a:solidFill>
                           <a:schemeClr val="tx1"/>
@@ -8373,13 +7590,96 @@
                     <a:lstStyle/>
                     <a:p>
                       <a:pPr latinLnBrk="1"/>
-                      <a:endParaRPr lang="ko-KR" altLang="en-US" sz="1200" b="0" dirty="0">
+                      <a:r>
+                        <a:rPr lang="en-US" altLang="ko-KR" sz="1200" b="0" dirty="0">
+                          <a:solidFill>
+                            <a:schemeClr val="tx1"/>
+                          </a:solidFill>
+                          <a:latin typeface="맑은 고딕" pitchFamily="50" charset="-127"/>
+                          <a:ea typeface="맑은 고딕" pitchFamily="50" charset="-127"/>
+                        </a:rPr>
+                        <a:t>Hide,</a:t>
+                      </a:r>
+                      <a:r>
+                        <a:rPr lang="ko-KR" altLang="en-US" sz="1200" b="0" dirty="0">
+                          <a:solidFill>
+                            <a:schemeClr val="tx1"/>
+                          </a:solidFill>
+                          <a:latin typeface="맑은 고딕" pitchFamily="50" charset="-127"/>
+                          <a:ea typeface="맑은 고딕" pitchFamily="50" charset="-127"/>
+                        </a:rPr>
+                        <a:t> </a:t>
+                      </a:r>
+                      <a:r>
+                        <a:rPr lang="en-US" altLang="ko-KR" sz="1200" b="0" dirty="0">
+                          <a:solidFill>
+                            <a:schemeClr val="tx1"/>
+                          </a:solidFill>
+                          <a:latin typeface="맑은 고딕" pitchFamily="50" charset="-127"/>
+                          <a:ea typeface="맑은 고딕" pitchFamily="50" charset="-127"/>
+                        </a:rPr>
+                        <a:t>Show</a:t>
+                      </a:r>
+                      <a:r>
+                        <a:rPr lang="ko-KR" altLang="en-US" sz="1200" b="0" dirty="0">
+                          <a:solidFill>
+                            <a:schemeClr val="tx1"/>
+                          </a:solidFill>
+                          <a:latin typeface="맑은 고딕" pitchFamily="50" charset="-127"/>
+                          <a:ea typeface="맑은 고딕" pitchFamily="50" charset="-127"/>
+                        </a:rPr>
+                        <a:t>삭제 및</a:t>
+                      </a:r>
+                      <a:endParaRPr lang="en-US" altLang="ko-KR" sz="1200" b="0" dirty="0">
                         <a:solidFill>
                           <a:schemeClr val="tx1"/>
                         </a:solidFill>
                         <a:latin typeface="맑은 고딕" pitchFamily="50" charset="-127"/>
                         <a:ea typeface="맑은 고딕" pitchFamily="50" charset="-127"/>
                       </a:endParaRPr>
+                    </a:p>
+                    <a:p>
+                      <a:pPr latinLnBrk="1"/>
+                      <a:r>
+                        <a:rPr lang="en-US" altLang="ko-KR" sz="1200" b="0" dirty="0">
+                          <a:solidFill>
+                            <a:schemeClr val="tx1"/>
+                          </a:solidFill>
+                          <a:latin typeface="맑은 고딕" pitchFamily="50" charset="-127"/>
+                          <a:ea typeface="맑은 고딕" pitchFamily="50" charset="-127"/>
+                        </a:rPr>
+                        <a:t>class</a:t>
+                      </a:r>
+                      <a:r>
+                        <a:rPr lang="ko-KR" altLang="en-US" sz="1200" b="0" dirty="0">
+                          <a:solidFill>
+                            <a:schemeClr val="tx1"/>
+                          </a:solidFill>
+                          <a:latin typeface="맑은 고딕" pitchFamily="50" charset="-127"/>
+                          <a:ea typeface="맑은 고딕" pitchFamily="50" charset="-127"/>
+                        </a:rPr>
+                        <a:t> </a:t>
+                      </a:r>
+                      <a:r>
+                        <a:rPr lang="en-US" altLang="ko-KR" sz="1200" b="0" dirty="0">
+                          <a:solidFill>
+                            <a:schemeClr val="tx1"/>
+                          </a:solidFill>
+                          <a:latin typeface="맑은 고딕" pitchFamily="50" charset="-127"/>
+                          <a:ea typeface="맑은 고딕" pitchFamily="50" charset="-127"/>
+                        </a:rPr>
+                        <a:t>diagram</a:t>
+                      </a:r>
+                      <a:r>
+                        <a:rPr lang="ko-KR" altLang="en-US" sz="1200" b="0" dirty="0">
+                          <a:solidFill>
+                            <a:schemeClr val="tx1"/>
+                          </a:solidFill>
+                          <a:latin typeface="맑은 고딕" pitchFamily="50" charset="-127"/>
+                          <a:ea typeface="맑은 고딕" pitchFamily="50" charset="-127"/>
+                        </a:rPr>
+                        <a:t>수정</a:t>
+                      </a:r>
                     </a:p>
                   </a:txBody>
                   <a:tcPr anchor="ctr">
@@ -8394,13 +7694,16 @@
                     <a:lstStyle/>
                     <a:p>
                       <a:pPr algn="ctr" latinLnBrk="1"/>
-                      <a:endParaRPr lang="ko-KR" altLang="en-US" sz="1200" b="0" dirty="0">
-                        <a:solidFill>
-                          <a:schemeClr val="tx1"/>
-                        </a:solidFill>
-                        <a:latin typeface="맑은 고딕" pitchFamily="50" charset="-127"/>
-                        <a:ea typeface="맑은 고딕" pitchFamily="50" charset="-127"/>
-                      </a:endParaRPr>
+                      <a:r>
+                        <a:rPr lang="ko-KR" altLang="en-US" sz="1200" b="0" dirty="0">
+                          <a:solidFill>
+                            <a:schemeClr val="tx1"/>
+                          </a:solidFill>
+                          <a:latin typeface="맑은 고딕" pitchFamily="50" charset="-127"/>
+                          <a:ea typeface="맑은 고딕" pitchFamily="50" charset="-127"/>
+                        </a:rPr>
+                        <a:t>임명진</a:t>
+                      </a:r>
                     </a:p>
                   </a:txBody>
                   <a:tcPr anchor="ctr">
@@ -12274,6 +11577,407 @@
           <p:cNvPr id="2" name="바닥글 개체 틀 1">
             <a:extLst>
               <a:ext uri="{FF2B5EF4-FFF2-40B4-BE49-F238E27FC236}">
+                <a16:creationId xmlns:a16="http://schemas.microsoft.com/office/drawing/2014/main" id="{D2DA255A-7F04-465E-B976-607000BA3EA9}"/>
+              </a:ext>
+            </a:extLst>
+          </p:cNvPr>
+          <p:cNvSpPr>
+            <a:spLocks noGrp="1"/>
+          </p:cNvSpPr>
+          <p:nvPr>
+            <p:ph type="ftr" sz="quarter" idx="3"/>
+          </p:nvPr>
+        </p:nvSpPr>
+        <p:spPr/>
+        <p:txBody>
+          <a:bodyPr/>
+          <a:lstStyle/>
+          <a:p>
+            <a:pPr algn="r"/>
+            <a:r>
+              <a:rPr lang="en-US" altLang="ko-KR"/>
+              <a:t>7</a:t>
+            </a:r>
+            <a:r>
+              <a:rPr lang="ko-KR" altLang="en-US"/>
+              <a:t>조 </a:t>
+            </a:r>
+            <a:r>
+              <a:rPr lang="en-US" altLang="ko-KR"/>
+              <a:t>SHORTSTORMERS</a:t>
+            </a:r>
+            <a:endParaRPr lang="en-US" altLang="ko-KR" dirty="0"/>
+          </a:p>
+        </p:txBody>
+      </p:sp>
+      <p:graphicFrame>
+        <p:nvGraphicFramePr>
+          <p:cNvPr id="3" name="Table 3">
+            <a:extLst>
+              <a:ext uri="{FF2B5EF4-FFF2-40B4-BE49-F238E27FC236}">
+                <a16:creationId xmlns:a16="http://schemas.microsoft.com/office/drawing/2014/main" id="{72C387FD-236D-4677-BBCC-B0BE751D2231}"/>
+              </a:ext>
+            </a:extLst>
+          </p:cNvPr>
+          <p:cNvGraphicFramePr>
+            <a:graphicFrameLocks noGrp="1"/>
+          </p:cNvGraphicFramePr>
+          <p:nvPr>
+            <p:extLst>
+              <p:ext uri="{D42A27DB-BD31-4B8C-83A1-F6EECF244321}">
+                <p14:modId xmlns:p14="http://schemas.microsoft.com/office/powerpoint/2010/main" val="2285967457"/>
+              </p:ext>
+            </p:extLst>
+          </p:nvPr>
+        </p:nvGraphicFramePr>
+        <p:xfrm>
+          <a:off x="838200" y="1066799"/>
+          <a:ext cx="7556500" cy="4699002"/>
+        </p:xfrm>
+        <a:graphic>
+          <a:graphicData uri="http://schemas.openxmlformats.org/drawingml/2006/table">
+            <a:tbl>
+              <a:tblPr firstRow="1" bandRow="1">
+                <a:tableStyleId>{5940675A-B579-460E-94D1-54222C63F5DA}</a:tableStyleId>
+              </a:tblPr>
+              <a:tblGrid>
+                <a:gridCol w="7556500">
+                  <a:extLst>
+                    <a:ext uri="{9D8B030D-6E8A-4147-A177-3AD203B41FA5}">
+                      <a16:colId xmlns:a16="http://schemas.microsoft.com/office/drawing/2014/main" val="20000"/>
+                    </a:ext>
+                  </a:extLst>
+                </a:gridCol>
+              </a:tblGrid>
+              <a:tr h="362753">
+                <a:tc>
+                  <a:txBody>
+                    <a:bodyPr/>
+                    <a:lstStyle/>
+                    <a:p>
+                      <a:r>
+                        <a:rPr lang="en-US" sz="1200" dirty="0" err="1">
+                          <a:latin typeface="맑은 고딕" panose="020B0503020000020004" pitchFamily="50" charset="-127"/>
+                          <a:ea typeface="맑은 고딕" panose="020B0503020000020004" pitchFamily="50" charset="-127"/>
+                        </a:rPr>
+                        <a:t>sortExcel</a:t>
+                      </a:r>
+                      <a:endParaRPr lang="en-US" sz="1200" dirty="0">
+                        <a:latin typeface="맑은 고딕" panose="020B0503020000020004" pitchFamily="50" charset="-127"/>
+                        <a:ea typeface="맑은 고딕" panose="020B0503020000020004" pitchFamily="50" charset="-127"/>
+                      </a:endParaRPr>
+                    </a:p>
+                  </a:txBody>
+                  <a:tcPr/>
+                </a:tc>
+                <a:extLst>
+                  <a:ext uri="{0D108BD9-81ED-4DB2-BD59-A6C34878D82A}">
+                    <a16:rowId xmlns:a16="http://schemas.microsoft.com/office/drawing/2014/main" val="10000"/>
+                  </a:ext>
+                </a:extLst>
+              </a:tr>
+              <a:tr h="2274192">
+                <a:tc>
+                  <a:txBody>
+                    <a:bodyPr/>
+                    <a:lstStyle/>
+                    <a:p>
+                      <a:pPr marL="171450" indent="-171450">
+                        <a:buFontTx/>
+                        <a:buChar char="-"/>
+                      </a:pPr>
+                      <a:r>
+                        <a:rPr lang="en-US" altLang="ko-KR" sz="1200" dirty="0">
+                          <a:latin typeface="Malgun Gothic" charset="-127"/>
+                          <a:ea typeface="Malgun Gothic" charset="-127"/>
+                          <a:cs typeface="Malgun Gothic" charset="-127"/>
+                        </a:rPr>
+                        <a:t> </a:t>
+                      </a:r>
+                      <a:r>
+                        <a:rPr lang="en-US" altLang="ko-KR" sz="1200" dirty="0" err="1">
+                          <a:latin typeface="Malgun Gothic" charset="-127"/>
+                          <a:ea typeface="Malgun Gothic" charset="-127"/>
+                          <a:cs typeface="Malgun Gothic" charset="-127"/>
+                        </a:rPr>
+                        <a:t>inputStream</a:t>
+                      </a:r>
+                      <a:r>
+                        <a:rPr lang="en-US" altLang="ko-KR" sz="1200" dirty="0">
+                          <a:latin typeface="Malgun Gothic" charset="-127"/>
+                          <a:ea typeface="Malgun Gothic" charset="-127"/>
+                          <a:cs typeface="Malgun Gothic" charset="-127"/>
+                        </a:rPr>
+                        <a:t> : </a:t>
+                      </a:r>
+                      <a:r>
+                        <a:rPr lang="en-US" altLang="ko-KR" sz="1200" dirty="0" err="1">
+                          <a:latin typeface="Malgun Gothic" charset="-127"/>
+                          <a:ea typeface="Malgun Gothic" charset="-127"/>
+                          <a:cs typeface="Malgun Gothic" charset="-127"/>
+                        </a:rPr>
+                        <a:t>FileInputStream</a:t>
+                      </a:r>
+                      <a:endParaRPr lang="en-US" altLang="ko-KR" sz="1200" dirty="0">
+                        <a:latin typeface="Malgun Gothic" charset="-127"/>
+                        <a:ea typeface="Malgun Gothic" charset="-127"/>
+                        <a:cs typeface="Malgun Gothic" charset="-127"/>
+                      </a:endParaRPr>
+                    </a:p>
+                    <a:p>
+                      <a:pPr marL="171450" indent="-171450">
+                        <a:buFontTx/>
+                        <a:buChar char="-"/>
+                      </a:pPr>
+                      <a:r>
+                        <a:rPr lang="en-US" altLang="ko-KR" sz="1200" dirty="0">
+                          <a:latin typeface="Malgun Gothic" charset="-127"/>
+                          <a:ea typeface="Malgun Gothic" charset="-127"/>
+                          <a:cs typeface="Malgun Gothic" charset="-127"/>
+                        </a:rPr>
+                        <a:t> workbook : </a:t>
+                      </a:r>
+                      <a:r>
+                        <a:rPr lang="en-US" altLang="ko-KR" sz="1200" dirty="0" err="1">
+                          <a:latin typeface="Malgun Gothic" charset="-127"/>
+                          <a:ea typeface="Malgun Gothic" charset="-127"/>
+                          <a:cs typeface="Malgun Gothic" charset="-127"/>
+                        </a:rPr>
+                        <a:t>XSSFWorkbook</a:t>
+                      </a:r>
+                      <a:endParaRPr lang="en-US" altLang="ko-KR" sz="1200" dirty="0">
+                        <a:latin typeface="Malgun Gothic" charset="-127"/>
+                        <a:ea typeface="Malgun Gothic" charset="-127"/>
+                        <a:cs typeface="Malgun Gothic" charset="-127"/>
+                      </a:endParaRPr>
+                    </a:p>
+                    <a:p>
+                      <a:pPr marL="171450" indent="-171450">
+                        <a:buFontTx/>
+                        <a:buChar char="-"/>
+                      </a:pPr>
+                      <a:r>
+                        <a:rPr lang="en-US" altLang="ko-KR" sz="1200" dirty="0">
+                          <a:latin typeface="Malgun Gothic" charset="-127"/>
+                          <a:ea typeface="Malgun Gothic" charset="-127"/>
+                          <a:cs typeface="Malgun Gothic" charset="-127"/>
+                        </a:rPr>
+                        <a:t> sheet : Sheet</a:t>
+                      </a:r>
+                    </a:p>
+                    <a:p>
+                      <a:pPr marL="171450" indent="-171450">
+                        <a:buFontTx/>
+                        <a:buChar char="-"/>
+                      </a:pPr>
+                      <a:r>
+                        <a:rPr lang="en-US" altLang="ko-KR" sz="1200" dirty="0">
+                          <a:latin typeface="Malgun Gothic" charset="-127"/>
+                          <a:ea typeface="Malgun Gothic" charset="-127"/>
+                          <a:cs typeface="Malgun Gothic" charset="-127"/>
+                        </a:rPr>
+                        <a:t> row : Row</a:t>
+                      </a:r>
+                    </a:p>
+                    <a:p>
+                      <a:pPr marL="171450" indent="-171450">
+                        <a:buFontTx/>
+                        <a:buChar char="-"/>
+                      </a:pPr>
+                      <a:r>
+                        <a:rPr lang="en-US" altLang="ko-KR" sz="1200" dirty="0">
+                          <a:latin typeface="Malgun Gothic" charset="-127"/>
+                          <a:ea typeface="Malgun Gothic" charset="-127"/>
+                          <a:cs typeface="Malgun Gothic" charset="-127"/>
+                        </a:rPr>
+                        <a:t> </a:t>
+                      </a:r>
+                      <a:r>
+                        <a:rPr lang="en-US" altLang="ko-KR" sz="1200" dirty="0" err="1">
+                          <a:latin typeface="Malgun Gothic" charset="-127"/>
+                          <a:ea typeface="Malgun Gothic" charset="-127"/>
+                          <a:cs typeface="Malgun Gothic" charset="-127"/>
+                        </a:rPr>
+                        <a:t>NextRow</a:t>
+                      </a:r>
+                      <a:r>
+                        <a:rPr lang="en-US" altLang="ko-KR" sz="1200" dirty="0">
+                          <a:latin typeface="Malgun Gothic" charset="-127"/>
+                          <a:ea typeface="Malgun Gothic" charset="-127"/>
+                          <a:cs typeface="Malgun Gothic" charset="-127"/>
+                        </a:rPr>
+                        <a:t> : Row</a:t>
+                      </a:r>
+                    </a:p>
+                    <a:p>
+                      <a:pPr marL="171450" indent="-171450">
+                        <a:buFontTx/>
+                        <a:buChar char="-"/>
+                      </a:pPr>
+                      <a:r>
+                        <a:rPr lang="en-US" altLang="ko-KR" sz="1200" dirty="0">
+                          <a:latin typeface="Malgun Gothic" charset="-127"/>
+                          <a:ea typeface="Malgun Gothic" charset="-127"/>
+                          <a:cs typeface="Malgun Gothic" charset="-127"/>
+                        </a:rPr>
+                        <a:t> </a:t>
+                      </a:r>
+                      <a:r>
+                        <a:rPr lang="en-US" altLang="ko-KR" sz="1200" dirty="0" err="1">
+                          <a:latin typeface="Malgun Gothic" charset="-127"/>
+                          <a:ea typeface="Malgun Gothic" charset="-127"/>
+                          <a:cs typeface="Malgun Gothic" charset="-127"/>
+                        </a:rPr>
+                        <a:t>NextCell</a:t>
+                      </a:r>
+                      <a:r>
+                        <a:rPr lang="en-US" altLang="ko-KR" sz="1200" dirty="0">
+                          <a:latin typeface="Malgun Gothic" charset="-127"/>
+                          <a:ea typeface="Malgun Gothic" charset="-127"/>
+                          <a:cs typeface="Malgun Gothic" charset="-127"/>
+                        </a:rPr>
+                        <a:t> : Cell</a:t>
+                      </a:r>
+                    </a:p>
+                    <a:p>
+                      <a:pPr marL="171450" indent="-171450">
+                        <a:buFontTx/>
+                        <a:buChar char="-"/>
+                      </a:pPr>
+                      <a:r>
+                        <a:rPr lang="en-US" altLang="ko-KR" sz="1200" dirty="0">
+                          <a:latin typeface="Malgun Gothic" charset="-127"/>
+                          <a:ea typeface="Malgun Gothic" charset="-127"/>
+                          <a:cs typeface="Malgun Gothic" charset="-127"/>
+                        </a:rPr>
+                        <a:t> cell : Cell</a:t>
+                      </a:r>
+                      <a:endParaRPr lang="en-US" sz="1200" baseline="0" dirty="0">
+                        <a:latin typeface="맑은 고딕" panose="020B0503020000020004" pitchFamily="50" charset="-127"/>
+                        <a:ea typeface="맑은 고딕" panose="020B0503020000020004" pitchFamily="50" charset="-127"/>
+                      </a:endParaRPr>
+                    </a:p>
+                  </a:txBody>
+                  <a:tcPr/>
+                </a:tc>
+                <a:extLst>
+                  <a:ext uri="{0D108BD9-81ED-4DB2-BD59-A6C34878D82A}">
+                    <a16:rowId xmlns:a16="http://schemas.microsoft.com/office/drawing/2014/main" val="10001"/>
+                  </a:ext>
+                </a:extLst>
+              </a:tr>
+              <a:tr h="2062057">
+                <a:tc>
+                  <a:txBody>
+                    <a:bodyPr/>
+                    <a:lstStyle/>
+                    <a:p>
+                      <a:pPr marL="171450" marR="0" lvl="0" indent="-171450" algn="l" defTabSz="914400" rtl="0" eaLnBrk="1" fontAlgn="auto" latinLnBrk="1" hangingPunct="1">
+                        <a:lnSpc>
+                          <a:spcPct val="100000"/>
+                        </a:lnSpc>
+                        <a:spcBef>
+                          <a:spcPts val="0"/>
+                        </a:spcBef>
+                        <a:spcAft>
+                          <a:spcPts val="0"/>
+                        </a:spcAft>
+                        <a:buClrTx/>
+                        <a:buSzTx/>
+                        <a:buFontTx/>
+                        <a:buChar char="-"/>
+                        <a:tabLst/>
+                        <a:defRPr/>
+                      </a:pPr>
+                      <a:r>
+                        <a:rPr lang="en-US" altLang="ko-KR" sz="1200" dirty="0">
+                          <a:latin typeface="Malgun Gothic" charset="-127"/>
+                          <a:ea typeface="Malgun Gothic" charset="-127"/>
+                          <a:cs typeface="Malgun Gothic" charset="-127"/>
+                        </a:rPr>
+                        <a:t>sort(String </a:t>
+                      </a:r>
+                      <a:r>
+                        <a:rPr lang="en-US" altLang="ko-KR" sz="1200" dirty="0" err="1">
+                          <a:latin typeface="Malgun Gothic" charset="-127"/>
+                          <a:ea typeface="Malgun Gothic" charset="-127"/>
+                          <a:cs typeface="Malgun Gothic" charset="-127"/>
+                        </a:rPr>
+                        <a:t>FilePath</a:t>
+                      </a:r>
+                      <a:r>
+                        <a:rPr lang="en-US" altLang="ko-KR" sz="1200" dirty="0">
+                          <a:latin typeface="Malgun Gothic" charset="-127"/>
+                          <a:ea typeface="Malgun Gothic" charset="-127"/>
+                          <a:cs typeface="Malgun Gothic" charset="-127"/>
+                        </a:rPr>
+                        <a:t>, String </a:t>
+                      </a:r>
+                      <a:r>
+                        <a:rPr lang="en-US" altLang="ko-KR" sz="1200" dirty="0" err="1">
+                          <a:latin typeface="Malgun Gothic" charset="-127"/>
+                          <a:ea typeface="Malgun Gothic" charset="-127"/>
+                          <a:cs typeface="Malgun Gothic" charset="-127"/>
+                        </a:rPr>
+                        <a:t>FileName</a:t>
+                      </a:r>
+                      <a:r>
+                        <a:rPr lang="en-US" altLang="ko-KR" sz="1200" dirty="0">
+                          <a:latin typeface="Malgun Gothic" charset="-127"/>
+                          <a:ea typeface="Malgun Gothic" charset="-127"/>
+                          <a:cs typeface="Malgun Gothic" charset="-127"/>
+                        </a:rPr>
+                        <a:t>) : void</a:t>
+                      </a:r>
+                    </a:p>
+                  </a:txBody>
+                  <a:tcPr/>
+                </a:tc>
+                <a:extLst>
+                  <a:ext uri="{0D108BD9-81ED-4DB2-BD59-A6C34878D82A}">
+                    <a16:rowId xmlns:a16="http://schemas.microsoft.com/office/drawing/2014/main" val="10002"/>
+                  </a:ext>
+                </a:extLst>
+              </a:tr>
+            </a:tbl>
+          </a:graphicData>
+        </a:graphic>
+      </p:graphicFrame>
+    </p:spTree>
+    <p:extLst>
+      <p:ext uri="{BB962C8B-B14F-4D97-AF65-F5344CB8AC3E}">
+        <p14:creationId xmlns:p14="http://schemas.microsoft.com/office/powerpoint/2010/main" val="4268696530"/>
+      </p:ext>
+    </p:extLst>
+  </p:cSld>
+  <p:clrMapOvr>
+    <a:masterClrMapping/>
+  </p:clrMapOvr>
+</p:sld>
+</file>
+
+<file path=ppt/slides/slide7.xml><?xml version="1.0" encoding="utf-8"?>
+<p:sld xmlns:a="http://schemas.openxmlformats.org/drawingml/2006/main" xmlns:r="http://schemas.openxmlformats.org/officeDocument/2006/relationships" xmlns:p="http://schemas.openxmlformats.org/presentationml/2006/main">
+  <p:cSld>
+    <p:spTree>
+      <p:nvGrpSpPr>
+        <p:cNvPr id="1" name=""/>
+        <p:cNvGrpSpPr/>
+        <p:nvPr/>
+      </p:nvGrpSpPr>
+      <p:grpSpPr>
+        <a:xfrm>
+          <a:off x="0" y="0"/>
+          <a:ext cx="0" cy="0"/>
+          <a:chOff x="0" y="0"/>
+          <a:chExt cx="0" cy="0"/>
+        </a:xfrm>
+      </p:grpSpPr>
+      <p:sp>
+        <p:nvSpPr>
+          <p:cNvPr id="2" name="바닥글 개체 틀 1">
+            <a:extLst>
+              <a:ext uri="{FF2B5EF4-FFF2-40B4-BE49-F238E27FC236}">
                 <a16:creationId xmlns:a16="http://schemas.microsoft.com/office/drawing/2014/main" id="{7A7FA6F3-E650-480B-A6B9-9FEDFE581176}"/>
               </a:ext>
             </a:extLst>
@@ -12797,7 +12501,7 @@
 </p:sld>
 </file>
 
-<file path=ppt/slides/slide7.xml><?xml version="1.0" encoding="utf-8"?>
+<file path=ppt/slides/slide8.xml><?xml version="1.0" encoding="utf-8"?>
 <p:sld xmlns:a="http://schemas.openxmlformats.org/drawingml/2006/main" xmlns:r="http://schemas.openxmlformats.org/officeDocument/2006/relationships" xmlns:p="http://schemas.openxmlformats.org/presentationml/2006/main">
   <p:cSld>
     <p:spTree>
@@ -14587,7 +14291,7 @@
 </p:sld>
 </file>
 
-<file path=ppt/slides/slide8.xml><?xml version="1.0" encoding="utf-8"?>
+<file path=ppt/slides/slide9.xml><?xml version="1.0" encoding="utf-8"?>
 <p:sld xmlns:a="http://schemas.openxmlformats.org/drawingml/2006/main" xmlns:r="http://schemas.openxmlformats.org/officeDocument/2006/relationships" xmlns:p="http://schemas.openxmlformats.org/presentationml/2006/main">
   <p:cSld>
     <p:spTree>
@@ -15211,436 +14915,6 @@
     <p:extLst>
       <p:ext uri="{BB962C8B-B14F-4D97-AF65-F5344CB8AC3E}">
         <p14:creationId xmlns:p14="http://schemas.microsoft.com/office/powerpoint/2010/main" val="1444670612"/>
-      </p:ext>
-    </p:extLst>
-  </p:cSld>
-  <p:clrMapOvr>
-    <a:masterClrMapping/>
-  </p:clrMapOvr>
-</p:sld>
-</file>
-
-<file path=ppt/slides/slide9.xml><?xml version="1.0" encoding="utf-8"?>
-<p:sld xmlns:a="http://schemas.openxmlformats.org/drawingml/2006/main" xmlns:r="http://schemas.openxmlformats.org/officeDocument/2006/relationships" xmlns:p="http://schemas.openxmlformats.org/presentationml/2006/main">
-  <p:cSld>
-    <p:spTree>
-      <p:nvGrpSpPr>
-        <p:cNvPr id="1" name=""/>
-        <p:cNvGrpSpPr/>
-        <p:nvPr/>
-      </p:nvGrpSpPr>
-      <p:grpSpPr>
-        <a:xfrm>
-          <a:off x="0" y="0"/>
-          <a:ext cx="0" cy="0"/>
-          <a:chOff x="0" y="0"/>
-          <a:chExt cx="0" cy="0"/>
-        </a:xfrm>
-      </p:grpSpPr>
-      <p:sp>
-        <p:nvSpPr>
-          <p:cNvPr id="2" name="바닥글 개체 틀 1">
-            <a:extLst>
-              <a:ext uri="{FF2B5EF4-FFF2-40B4-BE49-F238E27FC236}">
-                <a16:creationId xmlns:a16="http://schemas.microsoft.com/office/drawing/2014/main" id="{FB0B04C5-1818-4269-A82E-38A9BA517DA0}"/>
-              </a:ext>
-            </a:extLst>
-          </p:cNvPr>
-          <p:cNvSpPr>
-            <a:spLocks noGrp="1"/>
-          </p:cNvSpPr>
-          <p:nvPr>
-            <p:ph type="ftr" sz="quarter" idx="3"/>
-          </p:nvPr>
-        </p:nvSpPr>
-        <p:spPr/>
-        <p:txBody>
-          <a:bodyPr/>
-          <a:lstStyle/>
-          <a:p>
-            <a:pPr algn="r"/>
-            <a:r>
-              <a:rPr lang="en-US" altLang="ko-KR"/>
-              <a:t>7</a:t>
-            </a:r>
-            <a:r>
-              <a:rPr lang="ko-KR" altLang="en-US"/>
-              <a:t>조 </a:t>
-            </a:r>
-            <a:r>
-              <a:rPr lang="en-US" altLang="ko-KR"/>
-              <a:t>SHORTSTORMERS</a:t>
-            </a:r>
-            <a:endParaRPr lang="en-US" altLang="ko-KR" dirty="0"/>
-          </a:p>
-        </p:txBody>
-      </p:sp>
-      <p:graphicFrame>
-        <p:nvGraphicFramePr>
-          <p:cNvPr id="3" name="표 2">
-            <a:extLst>
-              <a:ext uri="{FF2B5EF4-FFF2-40B4-BE49-F238E27FC236}">
-                <a16:creationId xmlns:a16="http://schemas.microsoft.com/office/drawing/2014/main" id="{73AA4F31-35BD-496F-8A76-03EA37053AAF}"/>
-              </a:ext>
-            </a:extLst>
-          </p:cNvPr>
-          <p:cNvGraphicFramePr>
-            <a:graphicFrameLocks noGrp="1"/>
-          </p:cNvGraphicFramePr>
-          <p:nvPr>
-            <p:extLst>
-              <p:ext uri="{D42A27DB-BD31-4B8C-83A1-F6EECF244321}">
-                <p14:modId xmlns:p14="http://schemas.microsoft.com/office/powerpoint/2010/main" val="2946955710"/>
-              </p:ext>
-            </p:extLst>
-          </p:nvPr>
-        </p:nvGraphicFramePr>
-        <p:xfrm>
-          <a:off x="685317" y="1177443"/>
-          <a:ext cx="7773365" cy="4952036"/>
-        </p:xfrm>
-        <a:graphic>
-          <a:graphicData uri="http://schemas.openxmlformats.org/drawingml/2006/table">
-            <a:tbl>
-              <a:tblPr firstRow="1" bandRow="1">
-                <a:tableStyleId>{5940675A-B579-460E-94D1-54222C63F5DA}</a:tableStyleId>
-              </a:tblPr>
-              <a:tblGrid>
-                <a:gridCol w="7773365">
-                  <a:extLst>
-                    <a:ext uri="{9D8B030D-6E8A-4147-A177-3AD203B41FA5}">
-                      <a16:colId xmlns:a16="http://schemas.microsoft.com/office/drawing/2014/main" val="2448210374"/>
-                    </a:ext>
-                  </a:extLst>
-                </a:gridCol>
-              </a:tblGrid>
-              <a:tr h="308216">
-                <a:tc>
-                  <a:txBody>
-                    <a:bodyPr/>
-                    <a:lstStyle/>
-                    <a:p>
-                      <a:r>
-                        <a:rPr lang="en-US" sz="1200" dirty="0" err="1">
-                          <a:latin typeface="맑은 고딕" panose="020B0503020000020004" pitchFamily="50" charset="-127"/>
-                          <a:ea typeface="맑은 고딕" panose="020B0503020000020004" pitchFamily="50" charset="-127"/>
-                        </a:rPr>
-                        <a:t>Hide_render</a:t>
-                      </a:r>
-                      <a:endParaRPr lang="en-US" sz="1200" dirty="0">
-                        <a:latin typeface="맑은 고딕" panose="020B0503020000020004" pitchFamily="50" charset="-127"/>
-                        <a:ea typeface="맑은 고딕" panose="020B0503020000020004" pitchFamily="50" charset="-127"/>
-                      </a:endParaRPr>
-                    </a:p>
-                  </a:txBody>
-                  <a:tcPr/>
-                </a:tc>
-                <a:extLst>
-                  <a:ext uri="{0D108BD9-81ED-4DB2-BD59-A6C34878D82A}">
-                    <a16:rowId xmlns:a16="http://schemas.microsoft.com/office/drawing/2014/main" val="1024146623"/>
-                  </a:ext>
-                </a:extLst>
-              </a:tr>
-              <a:tr h="3383074">
-                <a:tc>
-                  <a:txBody>
-                    <a:bodyPr/>
-                    <a:lstStyle/>
-                    <a:p>
-                      <a:pPr marL="171450" indent="-171450">
-                        <a:buFontTx/>
-                        <a:buChar char="-"/>
-                      </a:pPr>
-                      <a:r>
-                        <a:rPr lang="en-US" altLang="ko-KR" sz="1200" dirty="0">
-                          <a:latin typeface="Malgun Gothic" charset="-127"/>
-                          <a:ea typeface="Malgun Gothic" charset="-127"/>
-                          <a:cs typeface="Malgun Gothic" charset="-127"/>
-                        </a:rPr>
-                        <a:t>table : </a:t>
-                      </a:r>
-                      <a:r>
-                        <a:rPr lang="en-US" altLang="ko-KR" sz="1200" dirty="0" err="1">
-                          <a:latin typeface="Malgun Gothic" charset="-127"/>
-                          <a:ea typeface="Malgun Gothic" charset="-127"/>
-                          <a:cs typeface="Malgun Gothic" charset="-127"/>
-                        </a:rPr>
-                        <a:t>Jtable</a:t>
-                      </a:r>
-                      <a:endParaRPr lang="en-US" altLang="ko-KR" sz="1200" dirty="0">
-                        <a:latin typeface="Malgun Gothic" charset="-127"/>
-                        <a:ea typeface="Malgun Gothic" charset="-127"/>
-                        <a:cs typeface="Malgun Gothic" charset="-127"/>
-                      </a:endParaRPr>
-                    </a:p>
-                    <a:p>
-                      <a:pPr marL="171450" indent="-171450">
-                        <a:buFontTx/>
-                        <a:buChar char="-"/>
-                      </a:pPr>
-                      <a:r>
-                        <a:rPr lang="en-US" altLang="ko-KR" sz="1200" dirty="0">
-                          <a:latin typeface="Malgun Gothic" charset="-127"/>
-                          <a:ea typeface="Malgun Gothic" charset="-127"/>
-                          <a:cs typeface="Malgun Gothic" charset="-127"/>
-                        </a:rPr>
-                        <a:t>value : Object</a:t>
-                      </a:r>
-                    </a:p>
-                    <a:p>
-                      <a:pPr marL="171450" indent="-171450">
-                        <a:buFontTx/>
-                        <a:buChar char="-"/>
-                      </a:pPr>
-                      <a:r>
-                        <a:rPr lang="en-US" altLang="ko-KR" sz="1200" dirty="0" err="1">
-                          <a:latin typeface="Malgun Gothic" charset="-127"/>
-                          <a:ea typeface="Malgun Gothic" charset="-127"/>
-                          <a:cs typeface="Malgun Gothic" charset="-127"/>
-                        </a:rPr>
-                        <a:t>isSelected</a:t>
-                      </a:r>
-                      <a:r>
-                        <a:rPr lang="en-US" altLang="ko-KR" sz="1200" dirty="0">
-                          <a:latin typeface="Malgun Gothic" charset="-127"/>
-                          <a:ea typeface="Malgun Gothic" charset="-127"/>
-                          <a:cs typeface="Malgun Gothic" charset="-127"/>
-                        </a:rPr>
-                        <a:t> : </a:t>
-                      </a:r>
-                      <a:r>
-                        <a:rPr lang="en-US" altLang="ko-KR" sz="1200" dirty="0" err="1">
-                          <a:latin typeface="Malgun Gothic" charset="-127"/>
-                          <a:ea typeface="Malgun Gothic" charset="-127"/>
-                          <a:cs typeface="Malgun Gothic" charset="-127"/>
-                        </a:rPr>
-                        <a:t>boolean</a:t>
-                      </a:r>
-                      <a:endParaRPr lang="en-US" altLang="ko-KR" sz="1200" dirty="0">
-                        <a:latin typeface="Malgun Gothic" charset="-127"/>
-                        <a:ea typeface="Malgun Gothic" charset="-127"/>
-                        <a:cs typeface="Malgun Gothic" charset="-127"/>
-                      </a:endParaRPr>
-                    </a:p>
-                    <a:p>
-                      <a:pPr marL="171450" indent="-171450">
-                        <a:buFontTx/>
-                        <a:buChar char="-"/>
-                      </a:pPr>
-                      <a:r>
-                        <a:rPr lang="en-US" altLang="ko-KR" sz="1200" dirty="0" err="1">
-                          <a:latin typeface="Malgun Gothic" charset="-127"/>
-                          <a:ea typeface="Malgun Gothic" charset="-127"/>
-                          <a:cs typeface="Malgun Gothic" charset="-127"/>
-                        </a:rPr>
-                        <a:t>hasFocus</a:t>
-                      </a:r>
-                      <a:r>
-                        <a:rPr lang="en-US" altLang="ko-KR" sz="1200" dirty="0">
-                          <a:latin typeface="Malgun Gothic" charset="-127"/>
-                          <a:ea typeface="Malgun Gothic" charset="-127"/>
-                          <a:cs typeface="Malgun Gothic" charset="-127"/>
-                        </a:rPr>
-                        <a:t> : </a:t>
-                      </a:r>
-                      <a:r>
-                        <a:rPr lang="en-US" altLang="ko-KR" sz="1200" dirty="0" err="1">
-                          <a:latin typeface="Malgun Gothic" charset="-127"/>
-                          <a:ea typeface="Malgun Gothic" charset="-127"/>
-                          <a:cs typeface="Malgun Gothic" charset="-127"/>
-                        </a:rPr>
-                        <a:t>boolean</a:t>
-                      </a:r>
-                      <a:endParaRPr lang="en-US" altLang="ko-KR" sz="1200" dirty="0">
-                        <a:latin typeface="Malgun Gothic" charset="-127"/>
-                        <a:ea typeface="Malgun Gothic" charset="-127"/>
-                        <a:cs typeface="Malgun Gothic" charset="-127"/>
-                      </a:endParaRPr>
-                    </a:p>
-                    <a:p>
-                      <a:pPr marL="171450" indent="-171450">
-                        <a:buFontTx/>
-                        <a:buChar char="-"/>
-                      </a:pPr>
-                      <a:r>
-                        <a:rPr lang="en-US" altLang="ko-KR" sz="1200" dirty="0">
-                          <a:latin typeface="Malgun Gothic" charset="-127"/>
-                          <a:ea typeface="Malgun Gothic" charset="-127"/>
-                          <a:cs typeface="Malgun Gothic" charset="-127"/>
-                        </a:rPr>
-                        <a:t>row : int</a:t>
-                      </a:r>
-                    </a:p>
-                    <a:p>
-                      <a:pPr marL="171450" indent="-171450">
-                        <a:buFontTx/>
-                        <a:buChar char="-"/>
-                      </a:pPr>
-                      <a:r>
-                        <a:rPr lang="en-US" altLang="ko-KR" sz="1200" dirty="0">
-                          <a:latin typeface="Malgun Gothic" charset="-127"/>
-                          <a:ea typeface="Malgun Gothic" charset="-127"/>
-                          <a:cs typeface="Malgun Gothic" charset="-127"/>
-                        </a:rPr>
-                        <a:t>column : int</a:t>
-                      </a:r>
-                    </a:p>
-                    <a:p>
-                      <a:pPr marL="171450" indent="-171450">
-                        <a:buFontTx/>
-                        <a:buChar char="-"/>
-                      </a:pPr>
-                      <a:r>
-                        <a:rPr lang="en-US" altLang="ko-KR" sz="1200" dirty="0">
-                          <a:latin typeface="Malgun Gothic" charset="-127"/>
-                          <a:ea typeface="Malgun Gothic" charset="-127"/>
-                          <a:cs typeface="Malgun Gothic" charset="-127"/>
-                        </a:rPr>
-                        <a:t>cell : Component</a:t>
-                      </a:r>
-                      <a:endParaRPr lang="es-ES" altLang="ko-KR" sz="1200" dirty="0">
-                        <a:latin typeface="Malgun Gothic" charset="-127"/>
-                        <a:ea typeface="Malgun Gothic" charset="-127"/>
-                        <a:cs typeface="Malgun Gothic" charset="-127"/>
-                      </a:endParaRPr>
-                    </a:p>
-                  </a:txBody>
-                  <a:tcPr/>
-                </a:tc>
-                <a:extLst>
-                  <a:ext uri="{0D108BD9-81ED-4DB2-BD59-A6C34878D82A}">
-                    <a16:rowId xmlns:a16="http://schemas.microsoft.com/office/drawing/2014/main" val="2548812134"/>
-                  </a:ext>
-                </a:extLst>
-              </a:tr>
-              <a:tr h="1260746">
-                <a:tc>
-                  <a:txBody>
-                    <a:bodyPr/>
-                    <a:lstStyle/>
-                    <a:p>
-                      <a:r>
-                        <a:rPr lang="en-US" altLang="ko-KR" sz="1200" dirty="0">
-                          <a:latin typeface="Malgun Gothic" charset="-127"/>
-                          <a:ea typeface="Malgun Gothic" charset="-127"/>
-                          <a:cs typeface="Malgun Gothic" charset="-127"/>
-                        </a:rPr>
-                        <a:t>+ </a:t>
-                      </a:r>
-                      <a:r>
-                        <a:rPr lang="en-US" altLang="ko-KR" sz="1200" dirty="0" err="1">
-                          <a:latin typeface="Malgun Gothic" charset="-127"/>
-                          <a:ea typeface="Malgun Gothic" charset="-127"/>
-                          <a:cs typeface="Malgun Gothic" charset="-127"/>
-                        </a:rPr>
-                        <a:t>getTableCellRendererComponent</a:t>
-                      </a:r>
-                      <a:r>
-                        <a:rPr lang="en-US" altLang="ko-KR" sz="1200" dirty="0">
-                          <a:latin typeface="Malgun Gothic" charset="-127"/>
-                          <a:ea typeface="Malgun Gothic" charset="-127"/>
-                          <a:cs typeface="Malgun Gothic" charset="-127"/>
-                        </a:rPr>
-                        <a:t>(</a:t>
-                      </a:r>
-                      <a:r>
-                        <a:rPr lang="en-US" altLang="ko-KR" sz="1200" dirty="0" err="1">
-                          <a:latin typeface="Malgun Gothic" charset="-127"/>
-                          <a:ea typeface="Malgun Gothic" charset="-127"/>
-                          <a:cs typeface="Malgun Gothic" charset="-127"/>
-                        </a:rPr>
-                        <a:t>JTable</a:t>
-                      </a:r>
-                      <a:r>
-                        <a:rPr lang="en-US" altLang="ko-KR" sz="1200" dirty="0">
-                          <a:latin typeface="Malgun Gothic" charset="-127"/>
-                          <a:ea typeface="Malgun Gothic" charset="-127"/>
-                          <a:cs typeface="Malgun Gothic" charset="-127"/>
-                        </a:rPr>
-                        <a:t> table, Object value, </a:t>
-                      </a:r>
-                      <a:r>
-                        <a:rPr lang="en-US" altLang="ko-KR" sz="1200" dirty="0" err="1">
-                          <a:latin typeface="Malgun Gothic" charset="-127"/>
-                          <a:ea typeface="Malgun Gothic" charset="-127"/>
-                          <a:cs typeface="Malgun Gothic" charset="-127"/>
-                        </a:rPr>
-                        <a:t>boolean</a:t>
-                      </a:r>
-                      <a:r>
-                        <a:rPr lang="en-US" altLang="ko-KR" sz="1200" dirty="0">
-                          <a:latin typeface="Malgun Gothic" charset="-127"/>
-                          <a:ea typeface="Malgun Gothic" charset="-127"/>
-                          <a:cs typeface="Malgun Gothic" charset="-127"/>
-                        </a:rPr>
-                        <a:t> </a:t>
-                      </a:r>
-                      <a:r>
-                        <a:rPr lang="en-US" altLang="ko-KR" sz="1200" dirty="0" err="1">
-                          <a:latin typeface="Malgun Gothic" charset="-127"/>
-                          <a:ea typeface="Malgun Gothic" charset="-127"/>
-                          <a:cs typeface="Malgun Gothic" charset="-127"/>
-                        </a:rPr>
-                        <a:t>isSelected</a:t>
-                      </a:r>
-                      <a:r>
-                        <a:rPr lang="en-US" altLang="ko-KR" sz="1200" dirty="0">
-                          <a:latin typeface="Malgun Gothic" charset="-127"/>
-                          <a:ea typeface="Malgun Gothic" charset="-127"/>
-                          <a:cs typeface="Malgun Gothic" charset="-127"/>
-                        </a:rPr>
-                        <a:t>, </a:t>
-                      </a:r>
-                      <a:r>
-                        <a:rPr lang="en-US" altLang="ko-KR" sz="1200" dirty="0" err="1">
-                          <a:latin typeface="Malgun Gothic" charset="-127"/>
-                          <a:ea typeface="Malgun Gothic" charset="-127"/>
-                          <a:cs typeface="Malgun Gothic" charset="-127"/>
-                        </a:rPr>
-                        <a:t>boolean</a:t>
-                      </a:r>
-                      <a:r>
-                        <a:rPr lang="en-US" altLang="ko-KR" sz="1200" dirty="0">
-                          <a:latin typeface="Malgun Gothic" charset="-127"/>
-                          <a:ea typeface="Malgun Gothic" charset="-127"/>
-                          <a:cs typeface="Malgun Gothic" charset="-127"/>
-                        </a:rPr>
-                        <a:t> </a:t>
-                      </a:r>
-                      <a:r>
-                        <a:rPr lang="en-US" altLang="ko-KR" sz="1200" dirty="0" err="1">
-                          <a:latin typeface="Malgun Gothic" charset="-127"/>
-                          <a:ea typeface="Malgun Gothic" charset="-127"/>
-                          <a:cs typeface="Malgun Gothic" charset="-127"/>
-                        </a:rPr>
-                        <a:t>hasFocus</a:t>
-                      </a:r>
-                      <a:r>
-                        <a:rPr lang="en-US" altLang="ko-KR" sz="1200" dirty="0">
-                          <a:latin typeface="Malgun Gothic" charset="-127"/>
-                          <a:ea typeface="Malgun Gothic" charset="-127"/>
-                          <a:cs typeface="Malgun Gothic" charset="-127"/>
-                        </a:rPr>
-                        <a:t>, int row, int column) : Component</a:t>
-                      </a:r>
-                    </a:p>
-                  </a:txBody>
-                  <a:tcPr/>
-                </a:tc>
-                <a:extLst>
-                  <a:ext uri="{0D108BD9-81ED-4DB2-BD59-A6C34878D82A}">
-                    <a16:rowId xmlns:a16="http://schemas.microsoft.com/office/drawing/2014/main" val="3516076432"/>
-                  </a:ext>
-                </a:extLst>
-              </a:tr>
-            </a:tbl>
-          </a:graphicData>
-        </a:graphic>
-      </p:graphicFrame>
-    </p:spTree>
-    <p:extLst>
-      <p:ext uri="{BB962C8B-B14F-4D97-AF65-F5344CB8AC3E}">
-        <p14:creationId xmlns:p14="http://schemas.microsoft.com/office/powerpoint/2010/main" val="586112858"/>
       </p:ext>
     </p:extLst>
   </p:cSld>
